--- a/BROTHER.pptx
+++ b/BROTHER.pptx
@@ -5,24 +5,25 @@
     <p:sldMasterId id="2147483672" r:id="rId4"/>
   </p:sldMasterIdLst>
   <p:notesMasterIdLst>
-    <p:notesMasterId r:id="rId17"/>
+    <p:notesMasterId r:id="rId18"/>
   </p:notesMasterIdLst>
   <p:handoutMasterIdLst>
-    <p:handoutMasterId r:id="rId18"/>
+    <p:handoutMasterId r:id="rId19"/>
   </p:handoutMasterIdLst>
   <p:sldIdLst>
-    <p:sldId id="256" r:id="rId5"/>
-    <p:sldId id="261" r:id="rId6"/>
-    <p:sldId id="259" r:id="rId7"/>
-    <p:sldId id="260" r:id="rId8"/>
-    <p:sldId id="262" r:id="rId9"/>
-    <p:sldId id="263" r:id="rId10"/>
-    <p:sldId id="264" r:id="rId11"/>
-    <p:sldId id="265" r:id="rId12"/>
-    <p:sldId id="266" r:id="rId13"/>
-    <p:sldId id="267" r:id="rId14"/>
-    <p:sldId id="268" r:id="rId15"/>
-    <p:sldId id="269" r:id="rId16"/>
+    <p:sldId id="270" r:id="rId5"/>
+    <p:sldId id="256" r:id="rId6"/>
+    <p:sldId id="261" r:id="rId7"/>
+    <p:sldId id="259" r:id="rId8"/>
+    <p:sldId id="260" r:id="rId9"/>
+    <p:sldId id="262" r:id="rId10"/>
+    <p:sldId id="263" r:id="rId11"/>
+    <p:sldId id="264" r:id="rId12"/>
+    <p:sldId id="265" r:id="rId13"/>
+    <p:sldId id="266" r:id="rId14"/>
+    <p:sldId id="267" r:id="rId15"/>
+    <p:sldId id="268" r:id="rId16"/>
+    <p:sldId id="269" r:id="rId17"/>
   </p:sldIdLst>
   <p:sldSz cx="12192000" cy="6858000"/>
   <p:notesSz cx="6858000" cy="9144000"/>
@@ -123,10 +124,10 @@
   </p:defaultTextStyle>
   <p:extLst>
     <p:ext uri="{EFAFB233-063F-42B5-8137-9DF3F51BA10A}">
-      <p15:sldGuideLst xmlns="" xmlns:p15="http://schemas.microsoft.com/office/powerpoint/2012/main"/>
+      <p15:sldGuideLst xmlns:p15="http://schemas.microsoft.com/office/powerpoint/2012/main" xmlns=""/>
     </p:ext>
     <p:ext uri="{2D200454-40CA-4A62-9FC3-DE9A4176ACB9}">
-      <p15:notesGuideLst xmlns="" xmlns:p15="http://schemas.microsoft.com/office/powerpoint/2012/main"/>
+      <p15:notesGuideLst xmlns:p15="http://schemas.microsoft.com/office/powerpoint/2012/main" xmlns=""/>
     </p:ext>
   </p:extLst>
 </p:presentation>
@@ -1452,7 +1453,7 @@
       </dgm:t>
     </dgm:pt>
     <dgm:pt modelId="{66F2484D-5D30-4A70-AC3F-362242EDD21F}" type="pres">
-      <dgm:prSet presAssocID="{5605D28D-2CE6-4513-8566-952984E21E14}" presName="parentText" presStyleLbl="node1" presStyleIdx="3" presStyleCnt="10" custLinFactY="-3125" custLinFactNeighborY="-100000">
+      <dgm:prSet presAssocID="{5605D28D-2CE6-4513-8566-952984E21E14}" presName="parentText" presStyleLbl="node1" presStyleIdx="3" presStyleCnt="10" custLinFactY="-3138" custLinFactNeighborY="-100000">
         <dgm:presLayoutVars>
           <dgm:chMax val="0"/>
           <dgm:bulletEnabled val="1"/>
@@ -1624,27 +1625,27 @@
     </dgm:pt>
   </dgm:ptLst>
   <dgm:cxnLst>
-    <dgm:cxn modelId="{76460095-A030-4745-8C8A-007A9D2EC273}" type="presOf" srcId="{D0256AEE-3B65-4A4A-9A2C-4929006F3E92}" destId="{A52E3E8C-3238-48B6-923E-EB1B9330C168}" srcOrd="0" destOrd="0" presId="urn:microsoft.com/office/officeart/2005/8/layout/vList2"/>
-    <dgm:cxn modelId="{A2EA226D-C978-47C5-A02B-CA2BAAED9E66}" srcId="{7E5AA53B-3EEE-4DE4-BB81-9044890C2946}" destId="{F185833A-5E4F-43C5-A866-546CB48D621D}" srcOrd="8" destOrd="0" parTransId="{CCD44B0D-0DF3-40D3-AA8D-2ED1AD6C03A4}" sibTransId="{72EDEB1E-DA19-4DEE-BD40-457E5C2AE2D0}"/>
-    <dgm:cxn modelId="{A29EC1FD-BE00-4474-9753-3E492922D7B9}" type="presOf" srcId="{6750AC01-D39D-4F3A-9DC8-2A211EE986A2}" destId="{97A9EDA6-08B1-4302-BCC1-75225F5755A0}" srcOrd="0" destOrd="0" presId="urn:microsoft.com/office/officeart/2005/8/layout/vList2"/>
+    <dgm:cxn modelId="{B32BB5AC-D7CC-4489-9F34-31B9B0A9BE91}" type="presOf" srcId="{0BEF68B8-1228-47BB-83B5-7B9CD1E3F84E}" destId="{635B88DD-3696-469C-A4BF-B303C58AAAE0}" srcOrd="0" destOrd="0" presId="urn:microsoft.com/office/officeart/2005/8/layout/vList2"/>
+    <dgm:cxn modelId="{99BB136F-FEE0-4793-B1FB-3BECDDF05D90}" type="presOf" srcId="{4C52314E-0924-4591-BE1D-C95E67A3DDBB}" destId="{66ABB525-13A2-4E59-A3E4-685284592F71}" srcOrd="0" destOrd="0" presId="urn:microsoft.com/office/officeart/2005/8/layout/vList2"/>
+    <dgm:cxn modelId="{8B61F705-E57B-44D3-9CD7-2A9E0B0F3AA0}" srcId="{7E5AA53B-3EEE-4DE4-BB81-9044890C2946}" destId="{D0256AEE-3B65-4A4A-9A2C-4929006F3E92}" srcOrd="4" destOrd="0" parTransId="{578C975E-6635-4415-9A6E-ABA77ED9126A}" sibTransId="{50C9EE41-77C3-4F3B-8AA5-207308A7E7CD}"/>
+    <dgm:cxn modelId="{05ADD563-9596-40A8-A734-A278E753C305}" type="presOf" srcId="{5605D28D-2CE6-4513-8566-952984E21E14}" destId="{66F2484D-5D30-4A70-AC3F-362242EDD21F}" srcOrd="0" destOrd="0" presId="urn:microsoft.com/office/officeart/2005/8/layout/vList2"/>
     <dgm:cxn modelId="{C95F7876-BE3D-4A97-B2C8-29092445A550}" srcId="{7E5AA53B-3EEE-4DE4-BB81-9044890C2946}" destId="{4FD8820E-AA22-4A23-B618-6CAEC5161DFE}" srcOrd="7" destOrd="0" parTransId="{C2B25D43-0D13-4FC0-9DCF-13B320F72BC6}" sibTransId="{B1FDB2E1-FC7C-4B44-9165-43AD4B4CACF6}"/>
     <dgm:cxn modelId="{4D10F568-708D-40B2-B730-9D0D158C5F48}" srcId="{7E5AA53B-3EEE-4DE4-BB81-9044890C2946}" destId="{083AD1FF-B2AD-426D-A01E-B020AE8F4ADD}" srcOrd="5" destOrd="0" parTransId="{9206C193-B070-4CA2-B880-AF61496C50E7}" sibTransId="{81241E3E-5C09-4235-AE3A-5032740D552E}"/>
+    <dgm:cxn modelId="{25DC2469-0343-4DEF-9E7F-1EE1C5768D07}" srcId="{7E5AA53B-3EEE-4DE4-BB81-9044890C2946}" destId="{EE80E63E-31AD-4468-AB42-83B2C9A6A770}" srcOrd="6" destOrd="0" parTransId="{A160FE9F-2F69-47E0-A4D3-E60C6A2108A2}" sibTransId="{55AC6BAC-E7A9-4F03-B350-8E26EB67FF5B}"/>
+    <dgm:cxn modelId="{4789B2D1-2569-42F1-82AA-62CE96033517}" type="presOf" srcId="{F185833A-5E4F-43C5-A866-546CB48D621D}" destId="{5FEB8927-D920-42EB-ADE0-625AD120A395}" srcOrd="0" destOrd="0" presId="urn:microsoft.com/office/officeart/2005/8/layout/vList2"/>
+    <dgm:cxn modelId="{649D26FD-4AE7-4C72-8675-41A09652CD50}" srcId="{7E5AA53B-3EEE-4DE4-BB81-9044890C2946}" destId="{4C52314E-0924-4591-BE1D-C95E67A3DDBB}" srcOrd="0" destOrd="0" parTransId="{46C9C012-FFD9-4A79-9468-CED94132EAAC}" sibTransId="{31BFC90E-7905-4E1F-9070-0B8EFB69872B}"/>
+    <dgm:cxn modelId="{76460095-A030-4745-8C8A-007A9D2EC273}" type="presOf" srcId="{D0256AEE-3B65-4A4A-9A2C-4929006F3E92}" destId="{A52E3E8C-3238-48B6-923E-EB1B9330C168}" srcOrd="0" destOrd="0" presId="urn:microsoft.com/office/officeart/2005/8/layout/vList2"/>
+    <dgm:cxn modelId="{40896026-4E8F-4607-AA32-BC5519BA4BB5}" type="presOf" srcId="{083AD1FF-B2AD-426D-A01E-B020AE8F4ADD}" destId="{76323A2E-CD8C-4E3F-850A-BF6511588DDC}" srcOrd="0" destOrd="0" presId="urn:microsoft.com/office/officeart/2005/8/layout/vList2"/>
+    <dgm:cxn modelId="{CA43E910-58B2-42B2-86F8-7259D6F44A68}" type="presOf" srcId="{7E5AA53B-3EEE-4DE4-BB81-9044890C2946}" destId="{601CFDCB-2D0C-4EF7-BD21-9E7726C6E4A2}" srcOrd="0" destOrd="0" presId="urn:microsoft.com/office/officeart/2005/8/layout/vList2"/>
     <dgm:cxn modelId="{22C5B91B-9F65-4538-9D5C-4DE4FF9C8AF5}" type="presOf" srcId="{79B93A56-2B62-4458-B17C-1ABF60FA7A05}" destId="{CC01CCD3-272D-46C9-AC22-25F8A66267AE}" srcOrd="0" destOrd="0" presId="urn:microsoft.com/office/officeart/2005/8/layout/vList2"/>
-    <dgm:cxn modelId="{25DC2469-0343-4DEF-9E7F-1EE1C5768D07}" srcId="{7E5AA53B-3EEE-4DE4-BB81-9044890C2946}" destId="{EE80E63E-31AD-4468-AB42-83B2C9A6A770}" srcOrd="6" destOrd="0" parTransId="{A160FE9F-2F69-47E0-A4D3-E60C6A2108A2}" sibTransId="{55AC6BAC-E7A9-4F03-B350-8E26EB67FF5B}"/>
+    <dgm:cxn modelId="{3F1FBC3E-AC6C-417C-A19E-19516F710721}" type="presOf" srcId="{EE80E63E-31AD-4468-AB42-83B2C9A6A770}" destId="{8B0E9B5A-D8D5-4FE0-8050-EF6B7BBA8F0C}" srcOrd="0" destOrd="0" presId="urn:microsoft.com/office/officeart/2005/8/layout/vList2"/>
+    <dgm:cxn modelId="{9B86D4BC-22B3-4954-9E3C-5AEA61367521}" type="presOf" srcId="{4FD8820E-AA22-4A23-B618-6CAEC5161DFE}" destId="{43048F53-323B-440E-8182-48B3D2B3A4A5}" srcOrd="0" destOrd="0" presId="urn:microsoft.com/office/officeart/2005/8/layout/vList2"/>
+    <dgm:cxn modelId="{A29EC1FD-BE00-4474-9753-3E492922D7B9}" type="presOf" srcId="{6750AC01-D39D-4F3A-9DC8-2A211EE986A2}" destId="{97A9EDA6-08B1-4302-BCC1-75225F5755A0}" srcOrd="0" destOrd="0" presId="urn:microsoft.com/office/officeart/2005/8/layout/vList2"/>
+    <dgm:cxn modelId="{2BBF5FCE-5C0F-4E14-AC0F-16A3849724DB}" srcId="{7E5AA53B-3EEE-4DE4-BB81-9044890C2946}" destId="{79B93A56-2B62-4458-B17C-1ABF60FA7A05}" srcOrd="9" destOrd="0" parTransId="{B3E8F290-0D1A-4397-92FF-803C7D7F9328}" sibTransId="{03E5F281-E908-4136-8E49-3525AC12C7B5}"/>
+    <dgm:cxn modelId="{EDEF4F82-1237-4639-A0F7-385C1897CE66}" srcId="{7E5AA53B-3EEE-4DE4-BB81-9044890C2946}" destId="{0BEF68B8-1228-47BB-83B5-7B9CD1E3F84E}" srcOrd="2" destOrd="0" parTransId="{ED3A4BC2-B75A-4952-A38B-A42B5995DF05}" sibTransId="{FD949706-EDCC-4ADC-8EDF-8EDA49C92325}"/>
+    <dgm:cxn modelId="{0B5DAE5F-BCDC-4BF7-A6E7-CF856886A64D}" srcId="{7E5AA53B-3EEE-4DE4-BB81-9044890C2946}" destId="{6750AC01-D39D-4F3A-9DC8-2A211EE986A2}" srcOrd="1" destOrd="0" parTransId="{720680DC-AAA4-4434-A582-60EBCC5BA355}" sibTransId="{CA077D98-8478-47EA-B6A9-99ACE60C64D4}"/>
+    <dgm:cxn modelId="{A2EA226D-C978-47C5-A02B-CA2BAAED9E66}" srcId="{7E5AA53B-3EEE-4DE4-BB81-9044890C2946}" destId="{F185833A-5E4F-43C5-A866-546CB48D621D}" srcOrd="8" destOrd="0" parTransId="{CCD44B0D-0DF3-40D3-AA8D-2ED1AD6C03A4}" sibTransId="{72EDEB1E-DA19-4DEE-BD40-457E5C2AE2D0}"/>
     <dgm:cxn modelId="{FAF3F884-F0CF-440F-8CB1-B7648AB1B138}" srcId="{7E5AA53B-3EEE-4DE4-BB81-9044890C2946}" destId="{5605D28D-2CE6-4513-8566-952984E21E14}" srcOrd="3" destOrd="0" parTransId="{EB15AB98-362B-4E70-A3DA-995FC3E8BA79}" sibTransId="{823D1971-2C4D-4EC5-A874-2F463DE37109}"/>
-    <dgm:cxn modelId="{4789B2D1-2569-42F1-82AA-62CE96033517}" type="presOf" srcId="{F185833A-5E4F-43C5-A866-546CB48D621D}" destId="{5FEB8927-D920-42EB-ADE0-625AD120A395}" srcOrd="0" destOrd="0" presId="urn:microsoft.com/office/officeart/2005/8/layout/vList2"/>
-    <dgm:cxn modelId="{8B61F705-E57B-44D3-9CD7-2A9E0B0F3AA0}" srcId="{7E5AA53B-3EEE-4DE4-BB81-9044890C2946}" destId="{D0256AEE-3B65-4A4A-9A2C-4929006F3E92}" srcOrd="4" destOrd="0" parTransId="{578C975E-6635-4415-9A6E-ABA77ED9126A}" sibTransId="{50C9EE41-77C3-4F3B-8AA5-207308A7E7CD}"/>
-    <dgm:cxn modelId="{B32BB5AC-D7CC-4489-9F34-31B9B0A9BE91}" type="presOf" srcId="{0BEF68B8-1228-47BB-83B5-7B9CD1E3F84E}" destId="{635B88DD-3696-469C-A4BF-B303C58AAAE0}" srcOrd="0" destOrd="0" presId="urn:microsoft.com/office/officeart/2005/8/layout/vList2"/>
-    <dgm:cxn modelId="{9B86D4BC-22B3-4954-9E3C-5AEA61367521}" type="presOf" srcId="{4FD8820E-AA22-4A23-B618-6CAEC5161DFE}" destId="{43048F53-323B-440E-8182-48B3D2B3A4A5}" srcOrd="0" destOrd="0" presId="urn:microsoft.com/office/officeart/2005/8/layout/vList2"/>
-    <dgm:cxn modelId="{EDEF4F82-1237-4639-A0F7-385C1897CE66}" srcId="{7E5AA53B-3EEE-4DE4-BB81-9044890C2946}" destId="{0BEF68B8-1228-47BB-83B5-7B9CD1E3F84E}" srcOrd="2" destOrd="0" parTransId="{ED3A4BC2-B75A-4952-A38B-A42B5995DF05}" sibTransId="{FD949706-EDCC-4ADC-8EDF-8EDA49C92325}"/>
-    <dgm:cxn modelId="{CA43E910-58B2-42B2-86F8-7259D6F44A68}" type="presOf" srcId="{7E5AA53B-3EEE-4DE4-BB81-9044890C2946}" destId="{601CFDCB-2D0C-4EF7-BD21-9E7726C6E4A2}" srcOrd="0" destOrd="0" presId="urn:microsoft.com/office/officeart/2005/8/layout/vList2"/>
-    <dgm:cxn modelId="{05ADD563-9596-40A8-A734-A278E753C305}" type="presOf" srcId="{5605D28D-2CE6-4513-8566-952984E21E14}" destId="{66F2484D-5D30-4A70-AC3F-362242EDD21F}" srcOrd="0" destOrd="0" presId="urn:microsoft.com/office/officeart/2005/8/layout/vList2"/>
-    <dgm:cxn modelId="{649D26FD-4AE7-4C72-8675-41A09652CD50}" srcId="{7E5AA53B-3EEE-4DE4-BB81-9044890C2946}" destId="{4C52314E-0924-4591-BE1D-C95E67A3DDBB}" srcOrd="0" destOrd="0" parTransId="{46C9C012-FFD9-4A79-9468-CED94132EAAC}" sibTransId="{31BFC90E-7905-4E1F-9070-0B8EFB69872B}"/>
-    <dgm:cxn modelId="{2BBF5FCE-5C0F-4E14-AC0F-16A3849724DB}" srcId="{7E5AA53B-3EEE-4DE4-BB81-9044890C2946}" destId="{79B93A56-2B62-4458-B17C-1ABF60FA7A05}" srcOrd="9" destOrd="0" parTransId="{B3E8F290-0D1A-4397-92FF-803C7D7F9328}" sibTransId="{03E5F281-E908-4136-8E49-3525AC12C7B5}"/>
-    <dgm:cxn modelId="{0B5DAE5F-BCDC-4BF7-A6E7-CF856886A64D}" srcId="{7E5AA53B-3EEE-4DE4-BB81-9044890C2946}" destId="{6750AC01-D39D-4F3A-9DC8-2A211EE986A2}" srcOrd="1" destOrd="0" parTransId="{720680DC-AAA4-4434-A582-60EBCC5BA355}" sibTransId="{CA077D98-8478-47EA-B6A9-99ACE60C64D4}"/>
-    <dgm:cxn modelId="{3F1FBC3E-AC6C-417C-A19E-19516F710721}" type="presOf" srcId="{EE80E63E-31AD-4468-AB42-83B2C9A6A770}" destId="{8B0E9B5A-D8D5-4FE0-8050-EF6B7BBA8F0C}" srcOrd="0" destOrd="0" presId="urn:microsoft.com/office/officeart/2005/8/layout/vList2"/>
-    <dgm:cxn modelId="{40896026-4E8F-4607-AA32-BC5519BA4BB5}" type="presOf" srcId="{083AD1FF-B2AD-426D-A01E-B020AE8F4ADD}" destId="{76323A2E-CD8C-4E3F-850A-BF6511588DDC}" srcOrd="0" destOrd="0" presId="urn:microsoft.com/office/officeart/2005/8/layout/vList2"/>
-    <dgm:cxn modelId="{99BB136F-FEE0-4793-B1FB-3BECDDF05D90}" type="presOf" srcId="{4C52314E-0924-4591-BE1D-C95E67A3DDBB}" destId="{66ABB525-13A2-4E59-A3E4-685284592F71}" srcOrd="0" destOrd="0" presId="urn:microsoft.com/office/officeart/2005/8/layout/vList2"/>
     <dgm:cxn modelId="{1B569171-FE3A-45A3-B3DD-3C5ABB459861}" type="presParOf" srcId="{601CFDCB-2D0C-4EF7-BD21-9E7726C6E4A2}" destId="{66ABB525-13A2-4E59-A3E4-685284592F71}" srcOrd="0" destOrd="0" presId="urn:microsoft.com/office/officeart/2005/8/layout/vList2"/>
     <dgm:cxn modelId="{CDA7E9E3-1EB9-4455-B381-0016AE109B83}" type="presParOf" srcId="{601CFDCB-2D0C-4EF7-BD21-9E7726C6E4A2}" destId="{32CEBD0D-6571-4AD5-84B4-44E380D95036}" srcOrd="1" destOrd="0" presId="urn:microsoft.com/office/officeart/2005/8/layout/vList2"/>
     <dgm:cxn modelId="{1CC13643-D1AB-4BDB-A0F0-F0CDA87C398B}" type="presParOf" srcId="{601CFDCB-2D0C-4EF7-BD21-9E7726C6E4A2}" destId="{97A9EDA6-08B1-4302-BCC1-75225F5755A0}" srcOrd="2" destOrd="0" presId="urn:microsoft.com/office/officeart/2005/8/layout/vList2"/>
@@ -1921,7 +1922,7 @@
       </dsp:nvSpPr>
       <dsp:spPr>
         <a:xfrm>
-          <a:off x="0" y="1507957"/>
+          <a:off x="0" y="1507892"/>
           <a:ext cx="7147172" cy="497695"/>
         </a:xfrm>
         <a:prstGeom prst="roundRect">
@@ -1986,7 +1987,7 @@
         </a:p>
       </dsp:txBody>
       <dsp:txXfrm>
-        <a:off x="0" y="1507957"/>
+        <a:off x="0" y="1507892"/>
         <a:ext cx="7147172" cy="497695"/>
       </dsp:txXfrm>
     </dsp:sp>
@@ -3755,7 +3756,7 @@
           <p:cNvPr id="2" name="Header Placeholder 1">
             <a:extLst>
               <a:ext uri="{FF2B5EF4-FFF2-40B4-BE49-F238E27FC236}">
-                <a16:creationId xmlns="" xmlns:a16="http://schemas.microsoft.com/office/drawing/2014/main" id="{FF81CEA5-62FD-4C83-BDE3-91DFB9827D8F}"/>
+                <a16:creationId xmlns:a16="http://schemas.microsoft.com/office/drawing/2014/main" xmlns="" id="{FF81CEA5-62FD-4C83-BDE3-91DFB9827D8F}"/>
               </a:ext>
             </a:extLst>
           </p:cNvPr>
@@ -3792,7 +3793,7 @@
           <p:cNvPr id="3" name="Date Placeholder 2">
             <a:extLst>
               <a:ext uri="{FF2B5EF4-FFF2-40B4-BE49-F238E27FC236}">
-                <a16:creationId xmlns="" xmlns:a16="http://schemas.microsoft.com/office/drawing/2014/main" id="{3FA1CBFD-6AD0-48C4-B91B-58830F6F4C3E}"/>
+                <a16:creationId xmlns:a16="http://schemas.microsoft.com/office/drawing/2014/main" xmlns="" id="{3FA1CBFD-6AD0-48C4-B91B-58830F6F4C3E}"/>
               </a:ext>
             </a:extLst>
           </p:cNvPr>
@@ -3823,7 +3824,7 @@
             <a:fld id="{AF869721-F543-4A6C-BF9D-65D7CC540427}" type="datetimeFigureOut">
               <a:rPr lang="en-US" smtClean="0"/>
               <a:pPr/>
-              <a:t>10/2/2021</a:t>
+              <a:t>11/21/2021</a:t>
             </a:fld>
             <a:endParaRPr lang="en-US" dirty="0"/>
           </a:p>
@@ -3834,7 +3835,7 @@
           <p:cNvPr id="4" name="Footer Placeholder 3">
             <a:extLst>
               <a:ext uri="{FF2B5EF4-FFF2-40B4-BE49-F238E27FC236}">
-                <a16:creationId xmlns="" xmlns:a16="http://schemas.microsoft.com/office/drawing/2014/main" id="{A9E55D22-46A3-4B8C-AD40-252FE7896C36}"/>
+                <a16:creationId xmlns:a16="http://schemas.microsoft.com/office/drawing/2014/main" xmlns="" id="{A9E55D22-46A3-4B8C-AD40-252FE7896C36}"/>
               </a:ext>
             </a:extLst>
           </p:cNvPr>
@@ -3871,7 +3872,7 @@
           <p:cNvPr id="5" name="Slide Number Placeholder 4">
             <a:extLst>
               <a:ext uri="{FF2B5EF4-FFF2-40B4-BE49-F238E27FC236}">
-                <a16:creationId xmlns="" xmlns:a16="http://schemas.microsoft.com/office/drawing/2014/main" id="{8E70DCEF-9071-4B17-801B-37B4465C8E15}"/>
+                <a16:creationId xmlns:a16="http://schemas.microsoft.com/office/drawing/2014/main" xmlns="" id="{8E70DCEF-9071-4B17-801B-37B4465C8E15}"/>
               </a:ext>
             </a:extLst>
           </p:cNvPr>
@@ -3911,7 +3912,7 @@
     </p:spTree>
     <p:extLst>
       <p:ext uri="{BB962C8B-B14F-4D97-AF65-F5344CB8AC3E}">
-        <p14:creationId xmlns="" xmlns:p14="http://schemas.microsoft.com/office/powerpoint/2010/main" val="3749347701"/>
+        <p14:creationId xmlns:p14="http://schemas.microsoft.com/office/powerpoint/2010/main" xmlns="" val="3749347701"/>
       </p:ext>
     </p:extLst>
   </p:cSld>
@@ -4002,7 +4003,7 @@
             <a:fld id="{C732326A-4C88-4AFB-AA5B-5919D81DFF5B}" type="datetimeFigureOut">
               <a:rPr lang="en-US" smtClean="0"/>
               <a:pPr/>
-              <a:t>10/2/2021</a:t>
+              <a:t>11/21/2021</a:t>
             </a:fld>
             <a:endParaRPr lang="en-US" dirty="0"/>
           </a:p>
@@ -4170,7 +4171,7 @@
     </p:spTree>
     <p:extLst>
       <p:ext uri="{BB962C8B-B14F-4D97-AF65-F5344CB8AC3E}">
-        <p14:creationId xmlns="" xmlns:p14="http://schemas.microsoft.com/office/powerpoint/2010/main" val="3661805647"/>
+        <p14:creationId xmlns:p14="http://schemas.microsoft.com/office/powerpoint/2010/main" xmlns="" val="3661805647"/>
       </p:ext>
     </p:extLst>
   </p:cSld>
@@ -4336,7 +4337,7 @@
             <a:fld id="{C6B3AB32-59DF-41F1-9618-EDFBF5049629}" type="slidenum">
               <a:rPr lang="en-US" smtClean="0"/>
               <a:pPr/>
-              <a:t>1</a:t>
+              <a:t>2</a:t>
             </a:fld>
             <a:endParaRPr lang="en-US" dirty="0"/>
           </a:p>
@@ -4345,7 +4346,7 @@
     </p:spTree>
     <p:extLst>
       <p:ext uri="{BB962C8B-B14F-4D97-AF65-F5344CB8AC3E}">
-        <p14:creationId xmlns="" xmlns:p14="http://schemas.microsoft.com/office/powerpoint/2010/main" val="1390047011"/>
+        <p14:creationId xmlns:p14="http://schemas.microsoft.com/office/powerpoint/2010/main" xmlns="" val="1390047011"/>
       </p:ext>
     </p:extLst>
   </p:cSld>
@@ -4421,7 +4422,7 @@
             <a:fld id="{C6B3AB32-59DF-41F1-9618-EDFBF5049629}" type="slidenum">
               <a:rPr lang="en-US" smtClean="0"/>
               <a:pPr/>
-              <a:t>2</a:t>
+              <a:t>3</a:t>
             </a:fld>
             <a:endParaRPr lang="en-US" dirty="0"/>
           </a:p>
@@ -4430,7 +4431,7 @@
     </p:spTree>
     <p:extLst>
       <p:ext uri="{BB962C8B-B14F-4D97-AF65-F5344CB8AC3E}">
-        <p14:creationId xmlns="" xmlns:p14="http://schemas.microsoft.com/office/powerpoint/2010/main" val="431927585"/>
+        <p14:creationId xmlns:p14="http://schemas.microsoft.com/office/powerpoint/2010/main" xmlns="" val="431927585"/>
       </p:ext>
     </p:extLst>
   </p:cSld>
@@ -4506,7 +4507,7 @@
             <a:fld id="{C6B3AB32-59DF-41F1-9618-EDFBF5049629}" type="slidenum">
               <a:rPr lang="en-US" smtClean="0"/>
               <a:pPr/>
-              <a:t>3</a:t>
+              <a:t>4</a:t>
             </a:fld>
             <a:endParaRPr lang="en-US" dirty="0"/>
           </a:p>
@@ -4515,7 +4516,7 @@
     </p:spTree>
     <p:extLst>
       <p:ext uri="{BB962C8B-B14F-4D97-AF65-F5344CB8AC3E}">
-        <p14:creationId xmlns="" xmlns:p14="http://schemas.microsoft.com/office/powerpoint/2010/main" val="3505115597"/>
+        <p14:creationId xmlns:p14="http://schemas.microsoft.com/office/powerpoint/2010/main" xmlns="" val="3505115597"/>
       </p:ext>
     </p:extLst>
   </p:cSld>
@@ -4591,7 +4592,7 @@
             <a:fld id="{C6B3AB32-59DF-41F1-9618-EDFBF5049629}" type="slidenum">
               <a:rPr lang="en-US" smtClean="0"/>
               <a:pPr/>
-              <a:t>4</a:t>
+              <a:t>5</a:t>
             </a:fld>
             <a:endParaRPr lang="en-US" dirty="0"/>
           </a:p>
@@ -4600,7 +4601,7 @@
     </p:spTree>
     <p:extLst>
       <p:ext uri="{BB962C8B-B14F-4D97-AF65-F5344CB8AC3E}">
-        <p14:creationId xmlns="" xmlns:p14="http://schemas.microsoft.com/office/powerpoint/2010/main" val="1046714131"/>
+        <p14:creationId xmlns:p14="http://schemas.microsoft.com/office/powerpoint/2010/main" xmlns="" val="1046714131"/>
       </p:ext>
     </p:extLst>
   </p:cSld>
@@ -4856,7 +4857,7 @@
             <a:fld id="{B61BEF0D-F0BB-DE4B-95CE-6DB70DBA9567}" type="datetimeFigureOut">
               <a:rPr lang="en-US" smtClean="0"/>
               <a:pPr/>
-              <a:t>10/2/2021</a:t>
+              <a:t>11/21/2021</a:t>
             </a:fld>
             <a:endParaRPr lang="en-US" dirty="0"/>
           </a:p>
@@ -4940,7 +4941,7 @@
     </p:spTree>
     <p:extLst>
       <p:ext uri="{BB962C8B-B14F-4D97-AF65-F5344CB8AC3E}">
-        <p14:creationId xmlns="" xmlns:p14="http://schemas.microsoft.com/office/powerpoint/2010/main" val="2103018600"/>
+        <p14:creationId xmlns:p14="http://schemas.microsoft.com/office/powerpoint/2010/main" xmlns="" val="2103018600"/>
       </p:ext>
     </p:extLst>
   </p:cSld>
@@ -5120,7 +5121,7 @@
             <a:fld id="{B61BEF0D-F0BB-DE4B-95CE-6DB70DBA9567}" type="datetimeFigureOut">
               <a:rPr lang="en-US" smtClean="0"/>
               <a:pPr/>
-              <a:t>10/2/2021</a:t>
+              <a:t>11/21/2021</a:t>
             </a:fld>
             <a:endParaRPr lang="en-US" dirty="0"/>
           </a:p>
@@ -5172,7 +5173,7 @@
     </p:spTree>
     <p:extLst>
       <p:ext uri="{BB962C8B-B14F-4D97-AF65-F5344CB8AC3E}">
-        <p14:creationId xmlns="" xmlns:p14="http://schemas.microsoft.com/office/powerpoint/2010/main" val="3454701141"/>
+        <p14:creationId xmlns:p14="http://schemas.microsoft.com/office/powerpoint/2010/main" xmlns="" val="3454701141"/>
       </p:ext>
     </p:extLst>
   </p:cSld>
@@ -5357,7 +5358,7 @@
             <a:fld id="{B61BEF0D-F0BB-DE4B-95CE-6DB70DBA9567}" type="datetimeFigureOut">
               <a:rPr lang="en-US" smtClean="0"/>
               <a:pPr/>
-              <a:t>10/2/2021</a:t>
+              <a:t>11/21/2021</a:t>
             </a:fld>
             <a:endParaRPr lang="en-US" dirty="0"/>
           </a:p>
@@ -5430,7 +5431,7 @@
     </p:spTree>
     <p:extLst>
       <p:ext uri="{BB962C8B-B14F-4D97-AF65-F5344CB8AC3E}">
-        <p14:creationId xmlns="" xmlns:p14="http://schemas.microsoft.com/office/powerpoint/2010/main" val="4291526879"/>
+        <p14:creationId xmlns:p14="http://schemas.microsoft.com/office/powerpoint/2010/main" xmlns="" val="4291526879"/>
       </p:ext>
     </p:extLst>
   </p:cSld>
@@ -5599,7 +5600,7 @@
             <a:fld id="{B61BEF0D-F0BB-DE4B-95CE-6DB70DBA9567}" type="datetimeFigureOut">
               <a:rPr lang="en-US" smtClean="0"/>
               <a:pPr/>
-              <a:t>10/2/2021</a:t>
+              <a:t>11/21/2021</a:t>
             </a:fld>
             <a:endParaRPr lang="en-US" dirty="0"/>
           </a:p>
@@ -5656,7 +5657,7 @@
     </p:spTree>
     <p:extLst>
       <p:ext uri="{BB962C8B-B14F-4D97-AF65-F5344CB8AC3E}">
-        <p14:creationId xmlns="" xmlns:p14="http://schemas.microsoft.com/office/powerpoint/2010/main" val="2739981630"/>
+        <p14:creationId xmlns:p14="http://schemas.microsoft.com/office/powerpoint/2010/main" xmlns="" val="2739981630"/>
       </p:ext>
     </p:extLst>
   </p:cSld>
@@ -5908,7 +5909,7 @@
             <a:fld id="{B61BEF0D-F0BB-DE4B-95CE-6DB70DBA9567}" type="datetimeFigureOut">
               <a:rPr lang="en-US" smtClean="0"/>
               <a:pPr/>
-              <a:t>10/2/2021</a:t>
+              <a:t>11/21/2021</a:t>
             </a:fld>
             <a:endParaRPr lang="en-US" dirty="0"/>
           </a:p>
@@ -5982,7 +5983,7 @@
     </p:spTree>
     <p:extLst>
       <p:ext uri="{BB962C8B-B14F-4D97-AF65-F5344CB8AC3E}">
-        <p14:creationId xmlns="" xmlns:p14="http://schemas.microsoft.com/office/powerpoint/2010/main" val="3909290883"/>
+        <p14:creationId xmlns:p14="http://schemas.microsoft.com/office/powerpoint/2010/main" xmlns="" val="3909290883"/>
       </p:ext>
     </p:extLst>
   </p:cSld>
@@ -6212,7 +6213,7 @@
             <a:fld id="{B61BEF0D-F0BB-DE4B-95CE-6DB70DBA9567}" type="datetimeFigureOut">
               <a:rPr lang="en-US" smtClean="0"/>
               <a:pPr/>
-              <a:t>10/2/2021</a:t>
+              <a:t>11/21/2021</a:t>
             </a:fld>
             <a:endParaRPr lang="en-US" dirty="0"/>
           </a:p>
@@ -6264,7 +6265,7 @@
     </p:spTree>
     <p:extLst>
       <p:ext uri="{BB962C8B-B14F-4D97-AF65-F5344CB8AC3E}">
-        <p14:creationId xmlns="" xmlns:p14="http://schemas.microsoft.com/office/powerpoint/2010/main" val="3687167401"/>
+        <p14:creationId xmlns:p14="http://schemas.microsoft.com/office/powerpoint/2010/main" xmlns="" val="3687167401"/>
       </p:ext>
     </p:extLst>
   </p:cSld>
@@ -6636,7 +6637,7 @@
             <a:fld id="{B61BEF0D-F0BB-DE4B-95CE-6DB70DBA9567}" type="datetimeFigureOut">
               <a:rPr lang="en-US" smtClean="0"/>
               <a:pPr/>
-              <a:t>10/2/2021</a:t>
+              <a:t>11/21/2021</a:t>
             </a:fld>
             <a:endParaRPr lang="en-US" dirty="0"/>
           </a:p>
@@ -6688,7 +6689,7 @@
     </p:spTree>
     <p:extLst>
       <p:ext uri="{BB962C8B-B14F-4D97-AF65-F5344CB8AC3E}">
-        <p14:creationId xmlns="" xmlns:p14="http://schemas.microsoft.com/office/powerpoint/2010/main" val="1428574024"/>
+        <p14:creationId xmlns:p14="http://schemas.microsoft.com/office/powerpoint/2010/main" xmlns="" val="1428574024"/>
       </p:ext>
     </p:extLst>
   </p:cSld>
@@ -6733,7 +6734,7 @@
             <a:fld id="{B61BEF0D-F0BB-DE4B-95CE-6DB70DBA9567}" type="datetimeFigureOut">
               <a:rPr lang="en-US" smtClean="0"/>
               <a:pPr/>
-              <a:t>10/2/2021</a:t>
+              <a:t>11/21/2021</a:t>
             </a:fld>
             <a:endParaRPr lang="en-US" dirty="0"/>
           </a:p>
@@ -6852,7 +6853,7 @@
     </p:spTree>
     <p:extLst>
       <p:ext uri="{BB962C8B-B14F-4D97-AF65-F5344CB8AC3E}">
-        <p14:creationId xmlns="" xmlns:p14="http://schemas.microsoft.com/office/powerpoint/2010/main" val="1164318277"/>
+        <p14:creationId xmlns:p14="http://schemas.microsoft.com/office/powerpoint/2010/main" xmlns="" val="1164318277"/>
       </p:ext>
     </p:extLst>
   </p:cSld>
@@ -6897,7 +6898,7 @@
             <a:fld id="{B61BEF0D-F0BB-DE4B-95CE-6DB70DBA9567}" type="datetimeFigureOut">
               <a:rPr lang="en-US" smtClean="0"/>
               <a:pPr/>
-              <a:t>10/2/2021</a:t>
+              <a:t>11/21/2021</a:t>
             </a:fld>
             <a:endParaRPr lang="en-US" dirty="0"/>
           </a:p>
@@ -6949,7 +6950,7 @@
     </p:spTree>
     <p:extLst>
       <p:ext uri="{BB962C8B-B14F-4D97-AF65-F5344CB8AC3E}">
-        <p14:creationId xmlns="" xmlns:p14="http://schemas.microsoft.com/office/powerpoint/2010/main" val="3412690406"/>
+        <p14:creationId xmlns:p14="http://schemas.microsoft.com/office/powerpoint/2010/main" xmlns="" val="3412690406"/>
       </p:ext>
     </p:extLst>
   </p:cSld>
@@ -7277,7 +7278,7 @@
             <a:fld id="{B61BEF0D-F0BB-DE4B-95CE-6DB70DBA9567}" type="datetimeFigureOut">
               <a:rPr lang="en-US" smtClean="0"/>
               <a:pPr/>
-              <a:t>10/2/2021</a:t>
+              <a:t>11/21/2021</a:t>
             </a:fld>
             <a:endParaRPr lang="en-US" dirty="0"/>
           </a:p>
@@ -7351,7 +7352,7 @@
     </p:spTree>
     <p:extLst>
       <p:ext uri="{BB962C8B-B14F-4D97-AF65-F5344CB8AC3E}">
-        <p14:creationId xmlns="" xmlns:p14="http://schemas.microsoft.com/office/powerpoint/2010/main" val="2923296207"/>
+        <p14:creationId xmlns:p14="http://schemas.microsoft.com/office/powerpoint/2010/main" xmlns="" val="2923296207"/>
       </p:ext>
     </p:extLst>
   </p:cSld>
@@ -7568,7 +7569,7 @@
             <a:fld id="{B61BEF0D-F0BB-DE4B-95CE-6DB70DBA9567}" type="datetimeFigureOut">
               <a:rPr lang="en-US" smtClean="0"/>
               <a:pPr/>
-              <a:t>10/2/2021</a:t>
+              <a:t>11/21/2021</a:t>
             </a:fld>
             <a:endParaRPr lang="en-US" dirty="0"/>
           </a:p>
@@ -7620,7 +7621,7 @@
     </p:spTree>
     <p:extLst>
       <p:ext uri="{BB962C8B-B14F-4D97-AF65-F5344CB8AC3E}">
-        <p14:creationId xmlns="" xmlns:p14="http://schemas.microsoft.com/office/powerpoint/2010/main" val="1280803729"/>
+        <p14:creationId xmlns:p14="http://schemas.microsoft.com/office/powerpoint/2010/main" xmlns="" val="1280803729"/>
       </p:ext>
     </p:extLst>
   </p:cSld>
@@ -7781,7 +7782,7 @@
             <a:fld id="{B61BEF0D-F0BB-DE4B-95CE-6DB70DBA9567}" type="datetimeFigureOut">
               <a:rPr lang="en-US" smtClean="0"/>
               <a:pPr/>
-              <a:t>10/2/2021</a:t>
+              <a:t>11/21/2021</a:t>
             </a:fld>
             <a:endParaRPr lang="en-US" dirty="0"/>
           </a:p>
@@ -7976,7 +7977,7 @@
     </p:spTree>
     <p:extLst>
       <p:ext uri="{BB962C8B-B14F-4D97-AF65-F5344CB8AC3E}">
-        <p14:creationId xmlns="" xmlns:p14="http://schemas.microsoft.com/office/powerpoint/2010/main" val="82855549"/>
+        <p14:creationId xmlns:p14="http://schemas.microsoft.com/office/powerpoint/2010/main" xmlns="" val="82855549"/>
       </p:ext>
     </p:extLst>
   </p:cSld>
@@ -8369,6 +8370,1058 @@
 <file path=ppt/slides/slide1.xml><?xml version="1.0" encoding="utf-8"?>
 <p:sld xmlns:a="http://schemas.openxmlformats.org/drawingml/2006/main" xmlns:r="http://schemas.openxmlformats.org/officeDocument/2006/relationships" xmlns:p="http://schemas.openxmlformats.org/presentationml/2006/main">
   <p:cSld>
+    <p:spTree>
+      <p:nvGrpSpPr>
+        <p:cNvPr id="1" name=""/>
+        <p:cNvGrpSpPr/>
+        <p:nvPr/>
+      </p:nvGrpSpPr>
+      <p:grpSpPr>
+        <a:xfrm>
+          <a:off x="0" y="0"/>
+          <a:ext cx="0" cy="0"/>
+          <a:chOff x="0" y="0"/>
+          <a:chExt cx="0" cy="0"/>
+        </a:xfrm>
+      </p:grpSpPr>
+      <p:sp>
+        <p:nvSpPr>
+          <p:cNvPr id="4" name="Rectangle 3"/>
+          <p:cNvSpPr/>
+          <p:nvPr/>
+        </p:nvSpPr>
+        <p:spPr>
+          <a:xfrm>
+            <a:off x="4453216" y="3244333"/>
+            <a:ext cx="316755" cy="369332"/>
+          </a:xfrm>
+          <a:prstGeom prst="rect">
+            <a:avLst/>
+          </a:prstGeom>
+        </p:spPr>
+        <p:txBody>
+          <a:bodyPr wrap="square">
+            <a:spAutoFit/>
+          </a:bodyPr>
+          <a:lstStyle/>
+          <a:p>
+            <a:r>
+              <a:rPr lang="en-US" dirty="0" smtClean="0"/>
+              <a:t> </a:t>
+            </a:r>
+            <a:endParaRPr lang="en-US" dirty="0"/>
+          </a:p>
+        </p:txBody>
+      </p:sp>
+      <p:sp>
+        <p:nvSpPr>
+          <p:cNvPr id="5" name="Rectangle 4"/>
+          <p:cNvSpPr/>
+          <p:nvPr/>
+        </p:nvSpPr>
+        <p:spPr>
+          <a:xfrm>
+            <a:off x="4453216" y="3244333"/>
+            <a:ext cx="316755" cy="369332"/>
+          </a:xfrm>
+          <a:prstGeom prst="rect">
+            <a:avLst/>
+          </a:prstGeom>
+        </p:spPr>
+        <p:txBody>
+          <a:bodyPr wrap="square">
+            <a:spAutoFit/>
+          </a:bodyPr>
+          <a:lstStyle/>
+          <a:p>
+            <a:r>
+              <a:rPr lang="en-US" dirty="0" smtClean="0"/>
+              <a:t> </a:t>
+            </a:r>
+            <a:endParaRPr lang="en-US" dirty="0"/>
+          </a:p>
+        </p:txBody>
+      </p:sp>
+      <p:sp>
+        <p:nvSpPr>
+          <p:cNvPr id="6" name="Rectangle 5"/>
+          <p:cNvSpPr/>
+          <p:nvPr/>
+        </p:nvSpPr>
+        <p:spPr>
+          <a:xfrm>
+            <a:off x="4453216" y="3244333"/>
+            <a:ext cx="316755" cy="369332"/>
+          </a:xfrm>
+          <a:prstGeom prst="rect">
+            <a:avLst/>
+          </a:prstGeom>
+        </p:spPr>
+        <p:txBody>
+          <a:bodyPr wrap="square">
+            <a:spAutoFit/>
+          </a:bodyPr>
+          <a:lstStyle/>
+          <a:p>
+            <a:r>
+              <a:rPr lang="en-US" dirty="0" smtClean="0"/>
+              <a:t> </a:t>
+            </a:r>
+            <a:endParaRPr lang="en-US" dirty="0"/>
+          </a:p>
+        </p:txBody>
+      </p:sp>
+      <p:sp>
+        <p:nvSpPr>
+          <p:cNvPr id="7" name="Rectangle 6"/>
+          <p:cNvSpPr/>
+          <p:nvPr/>
+        </p:nvSpPr>
+        <p:spPr>
+          <a:xfrm>
+            <a:off x="4453216" y="3244333"/>
+            <a:ext cx="316755" cy="369332"/>
+          </a:xfrm>
+          <a:prstGeom prst="rect">
+            <a:avLst/>
+          </a:prstGeom>
+        </p:spPr>
+        <p:txBody>
+          <a:bodyPr wrap="square">
+            <a:spAutoFit/>
+          </a:bodyPr>
+          <a:lstStyle/>
+          <a:p>
+            <a:r>
+              <a:rPr lang="en-US" dirty="0" smtClean="0"/>
+              <a:t> </a:t>
+            </a:r>
+            <a:endParaRPr lang="en-US" dirty="0"/>
+          </a:p>
+        </p:txBody>
+      </p:sp>
+      <p:pic>
+        <p:nvPicPr>
+          <p:cNvPr id="9" name="Picture 8" descr="logo.png"/>
+          <p:cNvPicPr>
+            <a:picLocks noChangeAspect="1"/>
+          </p:cNvPicPr>
+          <p:nvPr/>
+        </p:nvPicPr>
+        <p:blipFill>
+          <a:blip r:embed="rId2" cstate="print"/>
+          <a:stretch>
+            <a:fillRect/>
+          </a:stretch>
+        </p:blipFill>
+        <p:spPr>
+          <a:xfrm>
+            <a:off x="10653487" y="563273"/>
+            <a:ext cx="1371600" cy="1086345"/>
+          </a:xfrm>
+          <a:prstGeom prst="rect">
+            <a:avLst/>
+          </a:prstGeom>
+        </p:spPr>
+      </p:pic>
+      <p:pic>
+        <p:nvPicPr>
+          <p:cNvPr id="10" name="Picture 9"/>
+          <p:cNvPicPr>
+            <a:picLocks noChangeAspect="1"/>
+          </p:cNvPicPr>
+          <p:nvPr/>
+        </p:nvPicPr>
+        <p:blipFill>
+          <a:blip r:embed="rId3" cstate="print">
+            <a:extLst>
+              <a:ext uri="{28A0092B-C50C-407E-A947-70E740481C1C}">
+                <a14:useLocalDpi xmlns:a14="http://schemas.microsoft.com/office/drawing/2010/main" xmlns="" val="0"/>
+              </a:ext>
+            </a:extLst>
+          </a:blip>
+          <a:stretch>
+            <a:fillRect/>
+          </a:stretch>
+        </p:blipFill>
+        <p:spPr>
+          <a:xfrm>
+            <a:off x="134240" y="556824"/>
+            <a:ext cx="1371600" cy="1112321"/>
+          </a:xfrm>
+          <a:prstGeom prst="rect">
+            <a:avLst/>
+          </a:prstGeom>
+        </p:spPr>
+      </p:pic>
+      <p:sp>
+        <p:nvSpPr>
+          <p:cNvPr id="11" name="Rectangle 10"/>
+          <p:cNvSpPr/>
+          <p:nvPr/>
+        </p:nvSpPr>
+        <p:spPr>
+          <a:xfrm>
+            <a:off x="1880826" y="682158"/>
+            <a:ext cx="8372292" cy="523220"/>
+          </a:xfrm>
+          <a:prstGeom prst="rect">
+            <a:avLst/>
+          </a:prstGeom>
+        </p:spPr>
+        <p:txBody>
+          <a:bodyPr wrap="none">
+            <a:spAutoFit/>
+          </a:bodyPr>
+          <a:lstStyle/>
+          <a:p>
+            <a:pPr algn="ctr"/>
+            <a:r>
+              <a:rPr lang="en-US" sz="2800" b="1" dirty="0" smtClean="0">
+                <a:latin typeface="Times New Roman" pitchFamily="18" charset="0"/>
+                <a:cs typeface="Times New Roman" pitchFamily="18" charset="0"/>
+              </a:rPr>
+              <a:t>B.S.A College of Engineering &amp; Technology, Mathura</a:t>
+            </a:r>
+            <a:endParaRPr lang="en-US" sz="2800" b="1" dirty="0">
+              <a:latin typeface="Times New Roman" pitchFamily="18" charset="0"/>
+              <a:cs typeface="Times New Roman" pitchFamily="18" charset="0"/>
+            </a:endParaRPr>
+          </a:p>
+        </p:txBody>
+      </p:sp>
+      <p:sp>
+        <p:nvSpPr>
+          <p:cNvPr id="12" name="Rectangle 11"/>
+          <p:cNvSpPr/>
+          <p:nvPr/>
+        </p:nvSpPr>
+        <p:spPr>
+          <a:xfrm>
+            <a:off x="2510977" y="1204662"/>
+            <a:ext cx="7170053" cy="369332"/>
+          </a:xfrm>
+          <a:prstGeom prst="rect">
+            <a:avLst/>
+          </a:prstGeom>
+        </p:spPr>
+        <p:txBody>
+          <a:bodyPr wrap="square">
+            <a:spAutoFit/>
+          </a:bodyPr>
+          <a:lstStyle/>
+          <a:p>
+            <a:r>
+              <a:rPr lang="en-US" dirty="0" smtClean="0">
+                <a:latin typeface="Calibri" pitchFamily="34" charset="0"/>
+                <a:cs typeface="Calibri" pitchFamily="34" charset="0"/>
+              </a:rPr>
+              <a:t> Established &amp; Governed by Shri Agrawal Shiksha Mandal (Regd.),  Mathura</a:t>
+            </a:r>
+            <a:endParaRPr lang="en-US" dirty="0">
+              <a:latin typeface="Calibri" pitchFamily="34" charset="0"/>
+              <a:cs typeface="Calibri" pitchFamily="34" charset="0"/>
+            </a:endParaRPr>
+          </a:p>
+        </p:txBody>
+      </p:sp>
+      <p:sp>
+        <p:nvSpPr>
+          <p:cNvPr id="13" name="Rectangle 12"/>
+          <p:cNvSpPr/>
+          <p:nvPr/>
+        </p:nvSpPr>
+        <p:spPr>
+          <a:xfrm>
+            <a:off x="2291786" y="2126756"/>
+            <a:ext cx="7608429" cy="461665"/>
+          </a:xfrm>
+          <a:prstGeom prst="rect">
+            <a:avLst/>
+          </a:prstGeom>
+        </p:spPr>
+        <p:txBody>
+          <a:bodyPr wrap="none">
+            <a:spAutoFit/>
+          </a:bodyPr>
+          <a:lstStyle/>
+          <a:p>
+            <a:pPr algn="ctr"/>
+            <a:r>
+              <a:rPr lang="en-US" sz="2400" b="1" dirty="0" smtClean="0">
+                <a:latin typeface="Baskerville Old Face" pitchFamily="18" charset="0"/>
+                <a:cs typeface="Times New Roman" pitchFamily="18" charset="0"/>
+              </a:rPr>
+              <a:t>An  Industrial Training / Internship Assessment Presentation</a:t>
+            </a:r>
+          </a:p>
+        </p:txBody>
+      </p:sp>
+      <p:sp>
+        <p:nvSpPr>
+          <p:cNvPr id="14" name="Rectangle 13"/>
+          <p:cNvSpPr/>
+          <p:nvPr/>
+        </p:nvSpPr>
+        <p:spPr>
+          <a:xfrm>
+            <a:off x="5836066" y="2591204"/>
+            <a:ext cx="373820" cy="369332"/>
+          </a:xfrm>
+          <a:prstGeom prst="rect">
+            <a:avLst/>
+          </a:prstGeom>
+        </p:spPr>
+        <p:txBody>
+          <a:bodyPr wrap="none">
+            <a:spAutoFit/>
+          </a:bodyPr>
+          <a:lstStyle/>
+          <a:p>
+            <a:r>
+              <a:rPr lang="en-US" dirty="0" smtClean="0">
+                <a:latin typeface="Agency FB" pitchFamily="34" charset="0"/>
+              </a:rPr>
+              <a:t>On</a:t>
+            </a:r>
+            <a:endParaRPr lang="en-US" dirty="0">
+              <a:latin typeface="Agency FB" pitchFamily="34" charset="0"/>
+            </a:endParaRPr>
+          </a:p>
+        </p:txBody>
+      </p:sp>
+      <p:sp>
+        <p:nvSpPr>
+          <p:cNvPr id="15" name="Rectangle 14"/>
+          <p:cNvSpPr/>
+          <p:nvPr/>
+        </p:nvSpPr>
+        <p:spPr>
+          <a:xfrm>
+            <a:off x="2728643" y="2997596"/>
+            <a:ext cx="6734729" cy="523220"/>
+          </a:xfrm>
+          <a:prstGeom prst="rect">
+            <a:avLst/>
+          </a:prstGeom>
+        </p:spPr>
+        <p:txBody>
+          <a:bodyPr wrap="none">
+            <a:spAutoFit/>
+          </a:bodyPr>
+          <a:lstStyle/>
+          <a:p>
+            <a:pPr algn="ctr"/>
+            <a:r>
+              <a:rPr lang="en-US" sz="2800" dirty="0" smtClean="0">
+                <a:latin typeface="Elephant" pitchFamily="18" charset="0"/>
+              </a:rPr>
+              <a:t> “Computer Based Speech Interface”</a:t>
+            </a:r>
+          </a:p>
+        </p:txBody>
+      </p:sp>
+      <p:sp>
+        <p:nvSpPr>
+          <p:cNvPr id="17" name="TextBox 16"/>
+          <p:cNvSpPr txBox="1"/>
+          <p:nvPr/>
+        </p:nvSpPr>
+        <p:spPr>
+          <a:xfrm>
+            <a:off x="609587" y="4325260"/>
+            <a:ext cx="3512469" cy="1015663"/>
+          </a:xfrm>
+          <a:prstGeom prst="rect">
+            <a:avLst/>
+          </a:prstGeom>
+          <a:noFill/>
+        </p:spPr>
+        <p:txBody>
+          <a:bodyPr wrap="square" rtlCol="0">
+            <a:spAutoFit/>
+          </a:bodyPr>
+          <a:lstStyle/>
+          <a:p>
+            <a:r>
+              <a:rPr lang="en-US" sz="2000" dirty="0" smtClean="0">
+                <a:latin typeface="Matura MT Script Capitals" pitchFamily="66" charset="0"/>
+              </a:rPr>
+              <a:t>Under the guidance of: </a:t>
+            </a:r>
+          </a:p>
+          <a:p>
+            <a:r>
+              <a:rPr lang="en-US" sz="2000" dirty="0" smtClean="0">
+                <a:latin typeface="Matura MT Script Capitals" pitchFamily="66" charset="0"/>
+              </a:rPr>
+              <a:t>Mrs. Shilpi Bansal Mam</a:t>
+            </a:r>
+          </a:p>
+          <a:p>
+            <a:endParaRPr lang="en-US" sz="2000" dirty="0" smtClean="0">
+              <a:latin typeface="Matura MT Script Capitals" pitchFamily="66" charset="0"/>
+            </a:endParaRPr>
+          </a:p>
+        </p:txBody>
+      </p:sp>
+      <p:sp>
+        <p:nvSpPr>
+          <p:cNvPr id="18" name="TextBox 17"/>
+          <p:cNvSpPr txBox="1"/>
+          <p:nvPr/>
+        </p:nvSpPr>
+        <p:spPr>
+          <a:xfrm>
+            <a:off x="7431311" y="4332517"/>
+            <a:ext cx="4136572" cy="1692771"/>
+          </a:xfrm>
+          <a:prstGeom prst="rect">
+            <a:avLst/>
+          </a:prstGeom>
+          <a:noFill/>
+        </p:spPr>
+        <p:txBody>
+          <a:bodyPr wrap="square" rtlCol="0">
+            <a:spAutoFit/>
+          </a:bodyPr>
+          <a:lstStyle/>
+          <a:p>
+            <a:r>
+              <a:rPr lang="en-US" sz="2000" dirty="0" smtClean="0">
+                <a:latin typeface="Matura MT Script Capitals" pitchFamily="66" charset="0"/>
+              </a:rPr>
+              <a:t>Submitted by: </a:t>
+            </a:r>
+          </a:p>
+          <a:p>
+            <a:r>
+              <a:rPr lang="en-US" sz="2400" dirty="0" smtClean="0">
+                <a:latin typeface="Matura MT Script Capitals" pitchFamily="66" charset="0"/>
+              </a:rPr>
+              <a:t>Gopal Sharma</a:t>
+            </a:r>
+          </a:p>
+          <a:p>
+            <a:r>
+              <a:rPr lang="en-US" sz="2000" dirty="0" smtClean="0">
+                <a:latin typeface="Matura MT Script Capitals" pitchFamily="66" charset="0"/>
+              </a:rPr>
+              <a:t>B.tech. CSE 2</a:t>
+            </a:r>
+            <a:r>
+              <a:rPr lang="en-US" sz="2000" baseline="30000" dirty="0" smtClean="0">
+                <a:latin typeface="Matura MT Script Capitals" pitchFamily="66" charset="0"/>
+              </a:rPr>
+              <a:t>nd</a:t>
+            </a:r>
+            <a:r>
+              <a:rPr lang="en-US" sz="2000" dirty="0" smtClean="0">
+                <a:latin typeface="Matura MT Script Capitals" pitchFamily="66" charset="0"/>
+              </a:rPr>
+              <a:t> year 3</a:t>
+            </a:r>
+            <a:r>
+              <a:rPr lang="en-US" sz="2000" baseline="30000" dirty="0" smtClean="0">
+                <a:latin typeface="Matura MT Script Capitals" pitchFamily="66" charset="0"/>
+              </a:rPr>
+              <a:t>rd</a:t>
+            </a:r>
+            <a:r>
+              <a:rPr lang="en-US" sz="2000" dirty="0" smtClean="0">
+                <a:latin typeface="Matura MT Script Capitals" pitchFamily="66" charset="0"/>
+              </a:rPr>
+              <a:t> Semester</a:t>
+            </a:r>
+          </a:p>
+          <a:p>
+            <a:r>
+              <a:rPr lang="en-US" sz="2000" dirty="0" smtClean="0">
+                <a:latin typeface="Matura MT Script Capitals" pitchFamily="66" charset="0"/>
+              </a:rPr>
+              <a:t>Roll No. 2000650100035 </a:t>
+            </a:r>
+          </a:p>
+          <a:p>
+            <a:endParaRPr lang="en-US" sz="2000" dirty="0">
+              <a:latin typeface="Matura MT Script Capitals" pitchFamily="66" charset="0"/>
+            </a:endParaRPr>
+          </a:p>
+        </p:txBody>
+      </p:sp>
+      <p:sp>
+        <p:nvSpPr>
+          <p:cNvPr id="19" name="Rectangle 18"/>
+          <p:cNvSpPr/>
+          <p:nvPr/>
+        </p:nvSpPr>
+        <p:spPr bwMode="blackGray">
+          <a:xfrm>
+            <a:off x="3694811" y="6161707"/>
+            <a:ext cx="4769254" cy="369332"/>
+          </a:xfrm>
+          <a:prstGeom prst="rect">
+            <a:avLst/>
+          </a:prstGeom>
+        </p:spPr>
+        <p:txBody>
+          <a:bodyPr wrap="none">
+            <a:spAutoFit/>
+          </a:bodyPr>
+          <a:lstStyle/>
+          <a:p>
+            <a:r>
+              <a:rPr lang="en-US" b="1" dirty="0" smtClean="0">
+                <a:latin typeface="Baskerville Old Face" pitchFamily="18" charset="0"/>
+              </a:rPr>
+              <a:t>Department of Computer Science &amp; Applications</a:t>
+            </a:r>
+            <a:endParaRPr lang="en-US" dirty="0">
+              <a:latin typeface="Baskerville Old Face" pitchFamily="18" charset="0"/>
+            </a:endParaRPr>
+          </a:p>
+        </p:txBody>
+      </p:sp>
+    </p:spTree>
+  </p:cSld>
+  <p:clrMapOvr>
+    <a:masterClrMapping/>
+  </p:clrMapOvr>
+</p:sld>
+</file>
+
+<file path=ppt/slides/slide10.xml><?xml version="1.0" encoding="utf-8"?>
+<p:sld xmlns:a="http://schemas.openxmlformats.org/drawingml/2006/main" xmlns:r="http://schemas.openxmlformats.org/officeDocument/2006/relationships" xmlns:p="http://schemas.openxmlformats.org/presentationml/2006/main">
+  <p:cSld>
+    <p:spTree>
+      <p:nvGrpSpPr>
+        <p:cNvPr id="1" name=""/>
+        <p:cNvGrpSpPr/>
+        <p:nvPr/>
+      </p:nvGrpSpPr>
+      <p:grpSpPr>
+        <a:xfrm>
+          <a:off x="0" y="0"/>
+          <a:ext cx="0" cy="0"/>
+          <a:chOff x="0" y="0"/>
+          <a:chExt cx="0" cy="0"/>
+        </a:xfrm>
+      </p:grpSpPr>
+      <p:sp>
+        <p:nvSpPr>
+          <p:cNvPr id="2" name="Title 1"/>
+          <p:cNvSpPr>
+            <a:spLocks noGrp="1"/>
+          </p:cNvSpPr>
+          <p:nvPr>
+            <p:ph type="title"/>
+          </p:nvPr>
+        </p:nvSpPr>
+        <p:spPr>
+          <a:xfrm>
+            <a:off x="436051" y="5080001"/>
+            <a:ext cx="11320520" cy="1016004"/>
+          </a:xfrm>
+        </p:spPr>
+        <p:txBody>
+          <a:bodyPr>
+            <a:noAutofit/>
+          </a:bodyPr>
+          <a:lstStyle/>
+          <a:p>
+            <a:r>
+              <a:rPr lang="en-US" sz="4400" cap="none" dirty="0" smtClean="0">
+                <a:solidFill>
+                  <a:schemeClr val="bg1"/>
+                </a:solidFill>
+              </a:rPr>
+              <a:t>	def messaging(</a:t>
+            </a:r>
+            <a:r>
+              <a:rPr lang="en-US" sz="4400" cap="none" dirty="0" err="1" smtClean="0">
+                <a:solidFill>
+                  <a:schemeClr val="bg1"/>
+                </a:solidFill>
+              </a:rPr>
+              <a:t>pnmbr</a:t>
+            </a:r>
+            <a:r>
+              <a:rPr lang="en-US" sz="4400" cap="none" dirty="0" smtClean="0">
+                <a:solidFill>
+                  <a:schemeClr val="bg1"/>
+                </a:solidFill>
+              </a:rPr>
+              <a:t>,  </a:t>
+            </a:r>
+            <a:r>
+              <a:rPr lang="en-US" sz="4400" cap="none" dirty="0" err="1" smtClean="0">
+                <a:solidFill>
+                  <a:schemeClr val="bg1"/>
+                </a:solidFill>
+              </a:rPr>
+              <a:t>mesg</a:t>
+            </a:r>
+            <a:r>
+              <a:rPr lang="en-US" sz="4400" cap="none" dirty="0" smtClean="0">
+                <a:solidFill>
+                  <a:schemeClr val="bg1"/>
+                </a:solidFill>
+              </a:rPr>
+              <a:t>,  </a:t>
+            </a:r>
+            <a:r>
+              <a:rPr lang="en-US" sz="4400" cap="none" dirty="0" err="1" smtClean="0">
+                <a:solidFill>
+                  <a:schemeClr val="bg1"/>
+                </a:solidFill>
+              </a:rPr>
+              <a:t>thr</a:t>
+            </a:r>
+            <a:r>
+              <a:rPr lang="en-US" sz="4400" cap="none" dirty="0" smtClean="0">
+                <a:solidFill>
+                  <a:schemeClr val="bg1"/>
+                </a:solidFill>
+              </a:rPr>
+              <a:t>,  </a:t>
+            </a:r>
+            <a:r>
+              <a:rPr lang="en-US" sz="4400" cap="none" dirty="0" err="1" smtClean="0">
+                <a:solidFill>
+                  <a:schemeClr val="bg1"/>
+                </a:solidFill>
+              </a:rPr>
+              <a:t>tmin</a:t>
+            </a:r>
+            <a:r>
+              <a:rPr lang="en-US" sz="4400" cap="none" dirty="0" smtClean="0">
+                <a:solidFill>
+                  <a:schemeClr val="bg1"/>
+                </a:solidFill>
+              </a:rPr>
+              <a:t>):</a:t>
+            </a:r>
+            <a:endParaRPr lang="en-US" sz="4400" cap="none" dirty="0">
+              <a:solidFill>
+                <a:schemeClr val="bg1"/>
+              </a:solidFill>
+            </a:endParaRPr>
+          </a:p>
+        </p:txBody>
+      </p:sp>
+      <p:sp>
+        <p:nvSpPr>
+          <p:cNvPr id="3" name="Text Placeholder 2"/>
+          <p:cNvSpPr>
+            <a:spLocks noGrp="1"/>
+          </p:cNvSpPr>
+          <p:nvPr>
+            <p:ph type="body" idx="1"/>
+          </p:nvPr>
+        </p:nvSpPr>
+        <p:spPr>
+          <a:xfrm>
+            <a:off x="479594" y="2510964"/>
+            <a:ext cx="11218920" cy="1756228"/>
+          </a:xfrm>
+        </p:spPr>
+        <p:txBody>
+          <a:bodyPr>
+            <a:normAutofit/>
+          </a:bodyPr>
+          <a:lstStyle/>
+          <a:p>
+            <a:pPr algn="just"/>
+            <a:r>
+              <a:rPr lang="en-US" sz="2800" cap="none" dirty="0" smtClean="0"/>
+              <a:t>If you want to send a text message using </a:t>
+            </a:r>
+            <a:r>
+              <a:rPr lang="en-US" sz="2800" cap="none" dirty="0" smtClean="0"/>
+              <a:t>WhatsApp</a:t>
+            </a:r>
+            <a:r>
+              <a:rPr lang="en-US" sz="2800" cap="none" dirty="0" smtClean="0"/>
+              <a:t>,  give a chance to BROTHER  </a:t>
+            </a:r>
+            <a:r>
+              <a:rPr lang="en-US" sz="2800" cap="none" dirty="0" smtClean="0"/>
+              <a:t>to make it </a:t>
+            </a:r>
+            <a:r>
+              <a:rPr lang="en-US" sz="2800" cap="none" dirty="0" smtClean="0"/>
+              <a:t>so.</a:t>
+            </a:r>
+          </a:p>
+        </p:txBody>
+      </p:sp>
+    </p:spTree>
+  </p:cSld>
+  <p:clrMapOvr>
+    <a:masterClrMapping/>
+  </p:clrMapOvr>
+  <p:transition>
+    <p:split orient="vert"/>
+  </p:transition>
+  <p:timing>
+    <p:tnLst>
+      <p:par>
+        <p:cTn id="1" dur="indefinite" restart="never" nodeType="tmRoot"/>
+      </p:par>
+    </p:tnLst>
+  </p:timing>
+</p:sld>
+</file>
+
+<file path=ppt/slides/slide11.xml><?xml version="1.0" encoding="utf-8"?>
+<p:sld xmlns:a="http://schemas.openxmlformats.org/drawingml/2006/main" xmlns:r="http://schemas.openxmlformats.org/officeDocument/2006/relationships" xmlns:p="http://schemas.openxmlformats.org/presentationml/2006/main">
+  <p:cSld>
+    <p:spTree>
+      <p:nvGrpSpPr>
+        <p:cNvPr id="1" name=""/>
+        <p:cNvGrpSpPr/>
+        <p:nvPr/>
+      </p:nvGrpSpPr>
+      <p:grpSpPr>
+        <a:xfrm>
+          <a:off x="0" y="0"/>
+          <a:ext cx="0" cy="0"/>
+          <a:chOff x="0" y="0"/>
+          <a:chExt cx="0" cy="0"/>
+        </a:xfrm>
+      </p:grpSpPr>
+      <p:sp>
+        <p:nvSpPr>
+          <p:cNvPr id="2" name="Title 1"/>
+          <p:cNvSpPr>
+            <a:spLocks noGrp="1"/>
+          </p:cNvSpPr>
+          <p:nvPr>
+            <p:ph type="title"/>
+          </p:nvPr>
+        </p:nvSpPr>
+        <p:spPr>
+          <a:xfrm>
+            <a:off x="436051" y="5442857"/>
+            <a:ext cx="11029615" cy="653144"/>
+          </a:xfrm>
+        </p:spPr>
+        <p:txBody>
+          <a:bodyPr>
+            <a:noAutofit/>
+          </a:bodyPr>
+          <a:lstStyle/>
+          <a:p>
+            <a:r>
+              <a:rPr lang="en-US" sz="4400" cap="none" dirty="0" smtClean="0">
+                <a:solidFill>
+                  <a:schemeClr val="bg1"/>
+                </a:solidFill>
+              </a:rPr>
+              <a:t>	def integer(</a:t>
+            </a:r>
+            <a:r>
+              <a:rPr lang="en-US" sz="4400" cap="none" dirty="0" err="1" smtClean="0">
+                <a:solidFill>
+                  <a:schemeClr val="bg1"/>
+                </a:solidFill>
+              </a:rPr>
+              <a:t>val</a:t>
+            </a:r>
+            <a:r>
+              <a:rPr lang="en-US" sz="4400" cap="none" dirty="0" smtClean="0">
+                <a:solidFill>
+                  <a:schemeClr val="bg1"/>
+                </a:solidFill>
+              </a:rPr>
+              <a:t>):</a:t>
+            </a:r>
+            <a:endParaRPr lang="en-US" sz="4400" cap="none" dirty="0">
+              <a:solidFill>
+                <a:schemeClr val="bg1"/>
+              </a:solidFill>
+            </a:endParaRPr>
+          </a:p>
+        </p:txBody>
+      </p:sp>
+      <p:sp>
+        <p:nvSpPr>
+          <p:cNvPr id="3" name="Text Placeholder 2"/>
+          <p:cNvSpPr>
+            <a:spLocks noGrp="1"/>
+          </p:cNvSpPr>
+          <p:nvPr>
+            <p:ph type="body" idx="1"/>
+          </p:nvPr>
+        </p:nvSpPr>
+        <p:spPr>
+          <a:xfrm>
+            <a:off x="479594" y="2510964"/>
+            <a:ext cx="11218920" cy="1756228"/>
+          </a:xfrm>
+        </p:spPr>
+        <p:txBody>
+          <a:bodyPr>
+            <a:normAutofit fontScale="92500" lnSpcReduction="20000"/>
+          </a:bodyPr>
+          <a:lstStyle/>
+          <a:p>
+            <a:pPr algn="just"/>
+            <a:r>
+              <a:rPr lang="en-US" sz="2800" cap="none" dirty="0" smtClean="0"/>
+              <a:t>It’s quite simple. It just convert numbers which are of string type i.e. input by the user as a part of speech recognition,  into integer or int type.</a:t>
+            </a:r>
+          </a:p>
+          <a:p>
+            <a:pPr algn="just"/>
+            <a:r>
+              <a:rPr lang="en-US" sz="2800" cap="none" dirty="0" smtClean="0"/>
+              <a:t>											  OR</a:t>
+            </a:r>
+          </a:p>
+          <a:p>
+            <a:pPr algn="just"/>
+            <a:r>
+              <a:rPr lang="en-US" sz="2800" cap="none" dirty="0" smtClean="0"/>
+              <a:t>It typecast the string typed numbers into integer type.</a:t>
+            </a:r>
+          </a:p>
+        </p:txBody>
+      </p:sp>
+    </p:spTree>
+  </p:cSld>
+  <p:clrMapOvr>
+    <a:masterClrMapping/>
+  </p:clrMapOvr>
+  <p:transition>
+    <p:strips dir="ld"/>
+  </p:transition>
+  <p:timing>
+    <p:tnLst>
+      <p:par>
+        <p:cTn id="1" dur="indefinite" restart="never" nodeType="tmRoot"/>
+      </p:par>
+    </p:tnLst>
+  </p:timing>
+</p:sld>
+</file>
+
+<file path=ppt/slides/slide12.xml><?xml version="1.0" encoding="utf-8"?>
+<p:sld xmlns:a="http://schemas.openxmlformats.org/drawingml/2006/main" xmlns:r="http://schemas.openxmlformats.org/officeDocument/2006/relationships" xmlns:p="http://schemas.openxmlformats.org/presentationml/2006/main">
+  <p:cSld>
+    <p:spTree>
+      <p:nvGrpSpPr>
+        <p:cNvPr id="1" name=""/>
+        <p:cNvGrpSpPr/>
+        <p:nvPr/>
+      </p:nvGrpSpPr>
+      <p:grpSpPr>
+        <a:xfrm>
+          <a:off x="0" y="0"/>
+          <a:ext cx="0" cy="0"/>
+          <a:chOff x="0" y="0"/>
+          <a:chExt cx="0" cy="0"/>
+        </a:xfrm>
+      </p:grpSpPr>
+      <p:sp>
+        <p:nvSpPr>
+          <p:cNvPr id="2" name="Title 1"/>
+          <p:cNvSpPr>
+            <a:spLocks noGrp="1"/>
+          </p:cNvSpPr>
+          <p:nvPr>
+            <p:ph type="title"/>
+          </p:nvPr>
+        </p:nvSpPr>
+        <p:spPr>
+          <a:xfrm>
+            <a:off x="436051" y="5442857"/>
+            <a:ext cx="11029615" cy="653144"/>
+          </a:xfrm>
+        </p:spPr>
+        <p:txBody>
+          <a:bodyPr>
+            <a:noAutofit/>
+          </a:bodyPr>
+          <a:lstStyle/>
+          <a:p>
+            <a:r>
+              <a:rPr lang="en-US" sz="4400" cap="none" dirty="0" smtClean="0">
+                <a:solidFill>
+                  <a:schemeClr val="bg1"/>
+                </a:solidFill>
+              </a:rPr>
+              <a:t>	def password():</a:t>
+            </a:r>
+            <a:endParaRPr lang="en-US" sz="4400" cap="none" dirty="0">
+              <a:solidFill>
+                <a:schemeClr val="bg1"/>
+              </a:solidFill>
+            </a:endParaRPr>
+          </a:p>
+        </p:txBody>
+      </p:sp>
+      <p:sp>
+        <p:nvSpPr>
+          <p:cNvPr id="3" name="Text Placeholder 2"/>
+          <p:cNvSpPr>
+            <a:spLocks noGrp="1"/>
+          </p:cNvSpPr>
+          <p:nvPr>
+            <p:ph type="body" idx="1"/>
+          </p:nvPr>
+        </p:nvSpPr>
+        <p:spPr>
+          <a:xfrm>
+            <a:off x="479594" y="2510964"/>
+            <a:ext cx="11218920" cy="1756228"/>
+          </a:xfrm>
+        </p:spPr>
+        <p:txBody>
+          <a:bodyPr>
+            <a:normAutofit/>
+          </a:bodyPr>
+          <a:lstStyle/>
+          <a:p>
+            <a:pPr algn="just"/>
+            <a:r>
+              <a:rPr lang="en-US" sz="2800" cap="none" dirty="0" smtClean="0"/>
+              <a:t>Are you tired of thinking a super strong password for you accounts? Here’s the solution…</a:t>
+            </a:r>
+          </a:p>
+          <a:p>
+            <a:pPr algn="just"/>
+            <a:r>
+              <a:rPr lang="en-US" sz="2800" cap="none" dirty="0" smtClean="0"/>
+              <a:t>This function let BROTHER to generate a strong password for you.</a:t>
+            </a:r>
+          </a:p>
+        </p:txBody>
+      </p:sp>
+    </p:spTree>
+  </p:cSld>
+  <p:clrMapOvr>
+    <a:masterClrMapping/>
+  </p:clrMapOvr>
+  <p:transition>
+    <p:strips/>
+  </p:transition>
+  <p:timing>
+    <p:tnLst>
+      <p:par>
+        <p:cTn id="1" dur="indefinite" restart="never" nodeType="tmRoot"/>
+      </p:par>
+    </p:tnLst>
+  </p:timing>
+</p:sld>
+</file>
+
+<file path=ppt/slides/slide13.xml><?xml version="1.0" encoding="utf-8"?>
+<p:sld xmlns:a="http://schemas.openxmlformats.org/drawingml/2006/main" xmlns:r="http://schemas.openxmlformats.org/officeDocument/2006/relationships" xmlns:p="http://schemas.openxmlformats.org/presentationml/2006/main">
+  <p:cSld>
+    <p:spTree>
+      <p:nvGrpSpPr>
+        <p:cNvPr id="1" name=""/>
+        <p:cNvGrpSpPr/>
+        <p:nvPr/>
+      </p:nvGrpSpPr>
+      <p:grpSpPr>
+        <a:xfrm>
+          <a:off x="0" y="0"/>
+          <a:ext cx="0" cy="0"/>
+          <a:chOff x="0" y="0"/>
+          <a:chExt cx="0" cy="0"/>
+        </a:xfrm>
+      </p:grpSpPr>
+      <p:sp>
+        <p:nvSpPr>
+          <p:cNvPr id="2" name="Title 1"/>
+          <p:cNvSpPr>
+            <a:spLocks noGrp="1"/>
+          </p:cNvSpPr>
+          <p:nvPr>
+            <p:ph type="title"/>
+          </p:nvPr>
+        </p:nvSpPr>
+        <p:spPr>
+          <a:xfrm>
+            <a:off x="436051" y="5442857"/>
+            <a:ext cx="11029615" cy="653144"/>
+          </a:xfrm>
+        </p:spPr>
+        <p:txBody>
+          <a:bodyPr>
+            <a:noAutofit/>
+          </a:bodyPr>
+          <a:lstStyle/>
+          <a:p>
+            <a:r>
+              <a:rPr lang="en-US" sz="4400" cap="none" dirty="0" smtClean="0">
+                <a:solidFill>
+                  <a:schemeClr val="bg1"/>
+                </a:solidFill>
+              </a:rPr>
+              <a:t>	def calling_everything():</a:t>
+            </a:r>
+            <a:endParaRPr lang="en-US" sz="4400" cap="none" dirty="0">
+              <a:solidFill>
+                <a:schemeClr val="bg1"/>
+              </a:solidFill>
+            </a:endParaRPr>
+          </a:p>
+        </p:txBody>
+      </p:sp>
+      <p:sp>
+        <p:nvSpPr>
+          <p:cNvPr id="3" name="Text Placeholder 2"/>
+          <p:cNvSpPr>
+            <a:spLocks noGrp="1"/>
+          </p:cNvSpPr>
+          <p:nvPr>
+            <p:ph type="body" idx="1"/>
+          </p:nvPr>
+        </p:nvSpPr>
+        <p:spPr>
+          <a:xfrm>
+            <a:off x="479594" y="2510964"/>
+            <a:ext cx="11218920" cy="1756228"/>
+          </a:xfrm>
+        </p:spPr>
+        <p:txBody>
+          <a:bodyPr>
+            <a:normAutofit/>
+          </a:bodyPr>
+          <a:lstStyle/>
+          <a:p>
+            <a:pPr algn="just"/>
+            <a:r>
+              <a:rPr lang="en-US" sz="2800" cap="none" dirty="0" smtClean="0"/>
+              <a:t>This function calls all other defined functions within itself whenever they are triggered by a speech input or needed.</a:t>
+            </a:r>
+          </a:p>
+        </p:txBody>
+      </p:sp>
+    </p:spTree>
+  </p:cSld>
+  <p:clrMapOvr>
+    <a:masterClrMapping/>
+  </p:clrMapOvr>
+  <p:transition>
+    <p:strips/>
+  </p:transition>
+  <p:timing>
+    <p:tnLst>
+      <p:par>
+        <p:cTn id="1" dur="indefinite" restart="never" nodeType="tmRoot"/>
+      </p:par>
+    </p:tnLst>
+  </p:timing>
+</p:sld>
+</file>
+
+<file path=ppt/slides/slide2.xml><?xml version="1.0" encoding="utf-8"?>
+<p:sld xmlns:a="http://schemas.openxmlformats.org/drawingml/2006/main" xmlns:r="http://schemas.openxmlformats.org/officeDocument/2006/relationships" xmlns:p="http://schemas.openxmlformats.org/presentationml/2006/main">
+  <p:cSld>
     <p:bg>
       <p:bgPr>
         <a:solidFill>
@@ -8396,10 +9449,10 @@
           <p:cNvPr id="15" name="Rectangle 14">
             <a:extLst>
               <a:ext uri="{FF2B5EF4-FFF2-40B4-BE49-F238E27FC236}">
-                <a16:creationId xmlns="" xmlns:a16="http://schemas.microsoft.com/office/drawing/2014/main" id="{493D4EDA-58E0-40CC-B3CA-14CDEB349D24}"/>
+                <a16:creationId xmlns:a16="http://schemas.microsoft.com/office/drawing/2014/main" xmlns="" id="{493D4EDA-58E0-40CC-B3CA-14CDEB349D24}"/>
               </a:ext>
               <a:ext uri="{C183D7F6-B498-43B3-948B-1728B52AA6E4}">
-                <adec:decorative xmlns="" xmlns:adec="http://schemas.microsoft.com/office/drawing/2017/decorative" val="1"/>
+                <adec:decorative xmlns:adec="http://schemas.microsoft.com/office/drawing/2017/decorative" xmlns="" val="1"/>
               </a:ext>
             </a:extLst>
           </p:cNvPr>
@@ -8409,7 +9462,7 @@
           <p:nvPr>
             <p:extLst>
               <p:ext uri="{386F3935-93C4-4BCD-93E2-E3B085C9AB24}">
-                <p16:designElem xmlns="" xmlns:p16="http://schemas.microsoft.com/office/powerpoint/2015/main" val="1"/>
+                <p16:designElem xmlns:p16="http://schemas.microsoft.com/office/powerpoint/2015/main" xmlns="" val="1"/>
               </p:ext>
             </p:extLst>
           </p:nvPr>
@@ -8456,7 +9509,7 @@
           <p:cNvPr id="7" name="Picture 6" descr="Digital Connections">
             <a:extLst>
               <a:ext uri="{FF2B5EF4-FFF2-40B4-BE49-F238E27FC236}">
-                <a16:creationId xmlns="" xmlns:a16="http://schemas.microsoft.com/office/drawing/2014/main" id="{3840F91C-EDD0-4D4E-A4AB-E6C77856C88C}"/>
+                <a16:creationId xmlns:a16="http://schemas.microsoft.com/office/drawing/2014/main" xmlns="" id="{3840F91C-EDD0-4D4E-A4AB-E6C77856C88C}"/>
               </a:ext>
             </a:extLst>
           </p:cNvPr>
@@ -8469,7 +9522,7 @@
           <a:blip r:embed="rId3" cstate="screen">
             <a:extLst>
               <a:ext uri="{28A0092B-C50C-407E-A947-70E740481C1C}">
-                <a14:useLocalDpi xmlns="" xmlns:a14="http://schemas.microsoft.com/office/drawing/2010/main"/>
+                <a14:useLocalDpi xmlns:a14="http://schemas.microsoft.com/office/drawing/2010/main" xmlns=""/>
               </a:ext>
             </a:extLst>
           </a:blip>
@@ -8491,10 +9544,10 @@
           <p:cNvPr id="17" name="Group 16">
             <a:extLst>
               <a:ext uri="{FF2B5EF4-FFF2-40B4-BE49-F238E27FC236}">
-                <a16:creationId xmlns="" xmlns:a16="http://schemas.microsoft.com/office/drawing/2014/main" id="{AA9EB0BC-A85E-4C26-B355-5DFCEF6CCB49}"/>
+                <a16:creationId xmlns:a16="http://schemas.microsoft.com/office/drawing/2014/main" xmlns="" id="{AA9EB0BC-A85E-4C26-B355-5DFCEF6CCB49}"/>
               </a:ext>
               <a:ext uri="{C183D7F6-B498-43B3-948B-1728B52AA6E4}">
-                <adec:decorative xmlns="" xmlns:adec="http://schemas.microsoft.com/office/drawing/2017/decorative" val="1"/>
+                <adec:decorative xmlns:adec="http://schemas.microsoft.com/office/drawing/2017/decorative" xmlns="" val="1"/>
               </a:ext>
             </a:extLst>
           </p:cNvPr>
@@ -8504,7 +9557,7 @@
           <p:nvPr>
             <p:extLst>
               <p:ext uri="{386F3935-93C4-4BCD-93E2-E3B085C9AB24}">
-                <p16:designElem xmlns="" xmlns:p16="http://schemas.microsoft.com/office/powerpoint/2015/main" val="1"/>
+                <p16:designElem xmlns:p16="http://schemas.microsoft.com/office/powerpoint/2015/main" xmlns="" val="1"/>
               </p:ext>
             </p:extLst>
           </p:nvPr>
@@ -8522,10 +9575,10 @@
             <p:cNvPr id="18" name="Rectangle 17">
               <a:extLst>
                 <a:ext uri="{FF2B5EF4-FFF2-40B4-BE49-F238E27FC236}">
-                  <a16:creationId xmlns="" xmlns:a16="http://schemas.microsoft.com/office/drawing/2014/main" id="{3643E56B-BD42-413D-B17D-7958270F5DE4}"/>
+                  <a16:creationId xmlns:a16="http://schemas.microsoft.com/office/drawing/2014/main" xmlns="" id="{3643E56B-BD42-413D-B17D-7958270F5DE4}"/>
                 </a:ext>
                 <a:ext uri="{C183D7F6-B498-43B3-948B-1728B52AA6E4}">
-                  <adec:decorative xmlns="" xmlns:adec="http://schemas.microsoft.com/office/drawing/2017/decorative" val="1"/>
+                  <adec:decorative xmlns:adec="http://schemas.microsoft.com/office/drawing/2017/decorative" xmlns="" val="1"/>
                 </a:ext>
               </a:extLst>
             </p:cNvPr>
@@ -8533,7 +9586,7 @@
             <p:nvPr>
               <p:extLst>
                 <p:ext uri="{386F3935-93C4-4BCD-93E2-E3B085C9AB24}">
-                  <p16:designElem xmlns="" xmlns:p16="http://schemas.microsoft.com/office/powerpoint/2015/main" val="1"/>
+                  <p16:designElem xmlns:p16="http://schemas.microsoft.com/office/powerpoint/2015/main" xmlns="" val="1"/>
                 </p:ext>
               </p:extLst>
             </p:nvPr>
@@ -8574,10 +9627,10 @@
             <p:cNvPr id="19" name="Rectangle 18">
               <a:extLst>
                 <a:ext uri="{FF2B5EF4-FFF2-40B4-BE49-F238E27FC236}">
-                  <a16:creationId xmlns="" xmlns:a16="http://schemas.microsoft.com/office/drawing/2014/main" id="{96C04F74-9467-4FA5-95DC-8D481A29740E}"/>
+                  <a16:creationId xmlns:a16="http://schemas.microsoft.com/office/drawing/2014/main" xmlns="" id="{96C04F74-9467-4FA5-95DC-8D481A29740E}"/>
                 </a:ext>
                 <a:ext uri="{C183D7F6-B498-43B3-948B-1728B52AA6E4}">
-                  <adec:decorative xmlns="" xmlns:adec="http://schemas.microsoft.com/office/drawing/2017/decorative" val="1"/>
+                  <adec:decorative xmlns:adec="http://schemas.microsoft.com/office/drawing/2017/decorative" xmlns="" val="1"/>
                 </a:ext>
               </a:extLst>
             </p:cNvPr>
@@ -8585,7 +9638,7 @@
             <p:nvPr>
               <p:extLst>
                 <p:ext uri="{386F3935-93C4-4BCD-93E2-E3B085C9AB24}">
-                  <p16:designElem xmlns="" xmlns:p16="http://schemas.microsoft.com/office/powerpoint/2015/main" val="1"/>
+                  <p16:designElem xmlns:p16="http://schemas.microsoft.com/office/powerpoint/2015/main" xmlns="" val="1"/>
                 </p:ext>
               </p:extLst>
             </p:nvPr>
@@ -8626,10 +9679,10 @@
             <p:cNvPr id="20" name="Rectangle 19">
               <a:extLst>
                 <a:ext uri="{FF2B5EF4-FFF2-40B4-BE49-F238E27FC236}">
-                  <a16:creationId xmlns="" xmlns:a16="http://schemas.microsoft.com/office/drawing/2014/main" id="{D73DE1C3-5C37-42E9-A3F0-256F1938327C}"/>
+                  <a16:creationId xmlns:a16="http://schemas.microsoft.com/office/drawing/2014/main" xmlns="" id="{D73DE1C3-5C37-42E9-A3F0-256F1938327C}"/>
                 </a:ext>
                 <a:ext uri="{C183D7F6-B498-43B3-948B-1728B52AA6E4}">
-                  <adec:decorative xmlns="" xmlns:adec="http://schemas.microsoft.com/office/drawing/2017/decorative" val="1"/>
+                  <adec:decorative xmlns:adec="http://schemas.microsoft.com/office/drawing/2017/decorative" xmlns="" val="1"/>
                 </a:ext>
               </a:extLst>
             </p:cNvPr>
@@ -8637,7 +9690,7 @@
             <p:nvPr>
               <p:extLst>
                 <p:ext uri="{386F3935-93C4-4BCD-93E2-E3B085C9AB24}">
-                  <p16:designElem xmlns="" xmlns:p16="http://schemas.microsoft.com/office/powerpoint/2015/main" val="1"/>
+                  <p16:designElem xmlns:p16="http://schemas.microsoft.com/office/powerpoint/2015/main" xmlns="" val="1"/>
                 </p:ext>
               </p:extLst>
             </p:nvPr>
@@ -8679,10 +9732,10 @@
           <p:cNvPr id="22" name="Rectangle 21">
             <a:extLst>
               <a:ext uri="{FF2B5EF4-FFF2-40B4-BE49-F238E27FC236}">
-                <a16:creationId xmlns="" xmlns:a16="http://schemas.microsoft.com/office/drawing/2014/main" id="{4A2E7EC3-E07C-46CE-9B25-41865A50681C}"/>
+                <a16:creationId xmlns:a16="http://schemas.microsoft.com/office/drawing/2014/main" xmlns="" id="{4A2E7EC3-E07C-46CE-9B25-41865A50681C}"/>
               </a:ext>
               <a:ext uri="{C183D7F6-B498-43B3-948B-1728B52AA6E4}">
-                <adec:decorative xmlns="" xmlns:adec="http://schemas.microsoft.com/office/drawing/2017/decorative" val="1"/>
+                <adec:decorative xmlns:adec="http://schemas.microsoft.com/office/drawing/2017/decorative" xmlns="" val="1"/>
               </a:ext>
             </a:extLst>
           </p:cNvPr>
@@ -8692,7 +9745,7 @@
           <p:nvPr>
             <p:extLst>
               <p:ext uri="{386F3935-93C4-4BCD-93E2-E3B085C9AB24}">
-                <p16:designElem xmlns="" xmlns:p16="http://schemas.microsoft.com/office/powerpoint/2015/main" val="1"/>
+                <p16:designElem xmlns:p16="http://schemas.microsoft.com/office/powerpoint/2015/main" xmlns="" val="1"/>
               </p:ext>
             </p:extLst>
           </p:nvPr>
@@ -8735,7 +9788,7 @@
           <p:cNvPr id="2" name="Title 1">
             <a:extLst>
               <a:ext uri="{FF2B5EF4-FFF2-40B4-BE49-F238E27FC236}">
-                <a16:creationId xmlns="" xmlns:a16="http://schemas.microsoft.com/office/drawing/2014/main" id="{C02C5318-1A1E-49D0-B2E2-A4B0FA9E8A40}"/>
+                <a16:creationId xmlns:a16="http://schemas.microsoft.com/office/drawing/2014/main" xmlns="" id="{C02C5318-1A1E-49D0-B2E2-A4B0FA9E8A40}"/>
               </a:ext>
             </a:extLst>
           </p:cNvPr>
@@ -8748,7 +9801,7 @@
         </p:nvSpPr>
         <p:spPr>
           <a:xfrm>
-            <a:off x="420915" y="4441371"/>
+            <a:off x="420915" y="4760679"/>
             <a:ext cx="11153826" cy="1025873"/>
           </a:xfrm>
         </p:spPr>
@@ -8779,7 +9832,7 @@
           <p:cNvPr id="3" name="Subtitle 2">
             <a:extLst>
               <a:ext uri="{FF2B5EF4-FFF2-40B4-BE49-F238E27FC236}">
-                <a16:creationId xmlns="" xmlns:a16="http://schemas.microsoft.com/office/drawing/2014/main" id="{48B6CF59-4E5B-494D-A2F7-97ADD01E6497}"/>
+                <a16:creationId xmlns:a16="http://schemas.microsoft.com/office/drawing/2014/main" xmlns="" id="{48B6CF59-4E5B-494D-A2F7-97ADD01E6497}"/>
               </a:ext>
             </a:extLst>
           </p:cNvPr>
@@ -8792,7 +9845,7 @@
         </p:nvSpPr>
         <p:spPr>
           <a:xfrm>
-            <a:off x="464457" y="5467246"/>
+            <a:off x="464457" y="5655928"/>
             <a:ext cx="11248572" cy="484822"/>
           </a:xfrm>
         </p:spPr>
@@ -8852,76 +9905,10 @@
           <a:noFill/>
         </p:spPr>
       </p:pic>
-      <p:sp>
-        <p:nvSpPr>
-          <p:cNvPr id="16" name="Subtitle 2">
-            <a:extLst>
-              <a:ext uri="{FF2B5EF4-FFF2-40B4-BE49-F238E27FC236}">
-                <a16:creationId xmlns="" xmlns:a16="http://schemas.microsoft.com/office/drawing/2014/main" id="{48B6CF59-4E5B-494D-A2F7-97ADD01E6497}"/>
-              </a:ext>
-            </a:extLst>
-          </p:cNvPr>
-          <p:cNvSpPr txBox="1">
-            <a:spLocks/>
-          </p:cNvSpPr>
-          <p:nvPr/>
-        </p:nvSpPr>
-        <p:spPr>
-          <a:xfrm>
-            <a:off x="8715794" y="5503533"/>
-            <a:ext cx="2997206" cy="484822"/>
-          </a:xfrm>
-          <a:prstGeom prst="rect">
-            <a:avLst/>
-          </a:prstGeom>
-        </p:spPr>
-        <p:txBody>
-          <a:bodyPr vert="horz" lIns="91440" tIns="45720" rIns="91440" bIns="45720" rtlCol="0" anchor="t">
-            <a:noAutofit/>
-          </a:bodyPr>
-          <a:lstStyle/>
-          <a:p>
-            <a:pPr lvl="0">
-              <a:spcBef>
-                <a:spcPct val="20000"/>
-              </a:spcBef>
-              <a:spcAft>
-                <a:spcPts val="600"/>
-              </a:spcAft>
-              <a:buClr>
-                <a:schemeClr val="accent2"/>
-              </a:buClr>
-              <a:buSzPct val="92000"/>
-            </a:pPr>
-            <a:r>
-              <a:rPr lang="en-US" sz="2800" dirty="0" smtClean="0">
-                <a:solidFill>
-                  <a:srgbClr val="FFC000"/>
-                </a:solidFill>
-              </a:rPr>
-              <a:t>By- Gopal sharma</a:t>
-            </a:r>
-            <a:endParaRPr kumimoji="0" lang="en-US" sz="2800" b="0" i="0" u="none" strike="noStrike" kern="1200" cap="all" spc="0" normalizeH="0" baseline="0" noProof="0" dirty="0">
-              <a:ln>
-                <a:noFill/>
-              </a:ln>
-              <a:solidFill>
-                <a:srgbClr val="FFC000"/>
-              </a:solidFill>
-              <a:effectLst/>
-              <a:uLnTx/>
-              <a:uFillTx/>
-              <a:latin typeface="+mn-lt"/>
-              <a:ea typeface="+mn-ea"/>
-              <a:cs typeface="+mn-cs"/>
-            </a:endParaRPr>
-          </a:p>
-        </p:txBody>
-      </p:sp>
     </p:spTree>
     <p:extLst>
       <p:ext uri="{BB962C8B-B14F-4D97-AF65-F5344CB8AC3E}">
-        <p14:creationId xmlns="" xmlns:p14="http://schemas.microsoft.com/office/powerpoint/2010/main" val="1487700712"/>
+        <p14:creationId xmlns:p14="http://schemas.microsoft.com/office/powerpoint/2010/main" xmlns="" val="1487700712"/>
       </p:ext>
     </p:extLst>
   </p:cSld>
@@ -9102,59 +10089,6 @@
                       </p:childTnLst>
                     </p:cTn>
                   </p:par>
-                  <p:par>
-                    <p:cTn id="15" fill="hold">
-                      <p:stCondLst>
-                        <p:cond delay="indefinite"/>
-                      </p:stCondLst>
-                      <p:childTnLst>
-                        <p:par>
-                          <p:cTn id="16" fill="hold">
-                            <p:stCondLst>
-                              <p:cond delay="0"/>
-                            </p:stCondLst>
-                            <p:childTnLst>
-                              <p:par>
-                                <p:cTn id="17" presetID="3" presetClass="entr" presetSubtype="10" fill="hold" grpId="0" nodeType="clickEffect">
-                                  <p:stCondLst>
-                                    <p:cond delay="0"/>
-                                  </p:stCondLst>
-                                  <p:childTnLst>
-                                    <p:set>
-                                      <p:cBhvr>
-                                        <p:cTn id="18" dur="1" fill="hold">
-                                          <p:stCondLst>
-                                            <p:cond delay="0"/>
-                                          </p:stCondLst>
-                                        </p:cTn>
-                                        <p:tgtEl>
-                                          <p:spTgt spid="16"/>
-                                        </p:tgtEl>
-                                        <p:attrNameLst>
-                                          <p:attrName>style.visibility</p:attrName>
-                                        </p:attrNameLst>
-                                      </p:cBhvr>
-                                      <p:to>
-                                        <p:strVal val="visible"/>
-                                      </p:to>
-                                    </p:set>
-                                    <p:animEffect transition="in" filter="blinds(horizontal)">
-                                      <p:cBhvr>
-                                        <p:cTn id="19" dur="500"/>
-                                        <p:tgtEl>
-                                          <p:spTgt spid="16"/>
-                                        </p:tgtEl>
-                                      </p:cBhvr>
-                                    </p:animEffect>
-                                  </p:childTnLst>
-                                </p:cTn>
-                              </p:par>
-                            </p:childTnLst>
-                          </p:cTn>
-                        </p:par>
-                      </p:childTnLst>
-                    </p:cTn>
-                  </p:par>
                 </p:childTnLst>
               </p:cTn>
               <p:prevCondLst>
@@ -9178,368 +10112,12 @@
     </p:tnLst>
     <p:bldLst>
       <p:bldP spid="2" grpId="0"/>
-      <p:bldP spid="16" grpId="0"/>
     </p:bldLst>
   </p:timing>
 </p:sld>
 </file>
 
-<file path=ppt/slides/slide10.xml><?xml version="1.0" encoding="utf-8"?>
-<p:sld xmlns:a="http://schemas.openxmlformats.org/drawingml/2006/main" xmlns:r="http://schemas.openxmlformats.org/officeDocument/2006/relationships" xmlns:p="http://schemas.openxmlformats.org/presentationml/2006/main">
-  <p:cSld>
-    <p:spTree>
-      <p:nvGrpSpPr>
-        <p:cNvPr id="1" name=""/>
-        <p:cNvGrpSpPr/>
-        <p:nvPr/>
-      </p:nvGrpSpPr>
-      <p:grpSpPr>
-        <a:xfrm>
-          <a:off x="0" y="0"/>
-          <a:ext cx="0" cy="0"/>
-          <a:chOff x="0" y="0"/>
-          <a:chExt cx="0" cy="0"/>
-        </a:xfrm>
-      </p:grpSpPr>
-      <p:sp>
-        <p:nvSpPr>
-          <p:cNvPr id="2" name="Title 1"/>
-          <p:cNvSpPr>
-            <a:spLocks noGrp="1"/>
-          </p:cNvSpPr>
-          <p:nvPr>
-            <p:ph type="title"/>
-          </p:nvPr>
-        </p:nvSpPr>
-        <p:spPr>
-          <a:xfrm>
-            <a:off x="436051" y="5442857"/>
-            <a:ext cx="11029615" cy="653144"/>
-          </a:xfrm>
-        </p:spPr>
-        <p:txBody>
-          <a:bodyPr>
-            <a:noAutofit/>
-          </a:bodyPr>
-          <a:lstStyle/>
-          <a:p>
-            <a:r>
-              <a:rPr lang="en-US" sz="4400" cap="none" dirty="0" smtClean="0">
-                <a:solidFill>
-                  <a:schemeClr val="bg1"/>
-                </a:solidFill>
-              </a:rPr>
-              <a:t>	def integer(</a:t>
-            </a:r>
-            <a:r>
-              <a:rPr lang="en-US" sz="4400" cap="none" dirty="0" err="1" smtClean="0">
-                <a:solidFill>
-                  <a:schemeClr val="bg1"/>
-                </a:solidFill>
-              </a:rPr>
-              <a:t>val</a:t>
-            </a:r>
-            <a:r>
-              <a:rPr lang="en-US" sz="4400" cap="none" dirty="0" smtClean="0">
-                <a:solidFill>
-                  <a:schemeClr val="bg1"/>
-                </a:solidFill>
-              </a:rPr>
-              <a:t>):</a:t>
-            </a:r>
-            <a:endParaRPr lang="en-US" sz="4400" cap="none" dirty="0">
-              <a:solidFill>
-                <a:schemeClr val="bg1"/>
-              </a:solidFill>
-            </a:endParaRPr>
-          </a:p>
-        </p:txBody>
-      </p:sp>
-      <p:sp>
-        <p:nvSpPr>
-          <p:cNvPr id="3" name="Text Placeholder 2"/>
-          <p:cNvSpPr>
-            <a:spLocks noGrp="1"/>
-          </p:cNvSpPr>
-          <p:nvPr>
-            <p:ph type="body" idx="1"/>
-          </p:nvPr>
-        </p:nvSpPr>
-        <p:spPr>
-          <a:xfrm>
-            <a:off x="479594" y="2510964"/>
-            <a:ext cx="11218920" cy="1756228"/>
-          </a:xfrm>
-        </p:spPr>
-        <p:txBody>
-          <a:bodyPr>
-            <a:normAutofit fontScale="92500" lnSpcReduction="20000"/>
-          </a:bodyPr>
-          <a:lstStyle/>
-          <a:p>
-            <a:pPr algn="just"/>
-            <a:r>
-              <a:rPr lang="en-US" sz="2800" cap="none" dirty="0" smtClean="0"/>
-              <a:t>It’s quite simple. It just convert numbers which are of string type i.e. input by the user as a part of speech recognition,  into integer or int type.</a:t>
-            </a:r>
-          </a:p>
-          <a:p>
-            <a:pPr algn="just"/>
-            <a:r>
-              <a:rPr lang="en-US" sz="2800" cap="none" dirty="0" smtClean="0"/>
-              <a:t>											  OR</a:t>
-            </a:r>
-          </a:p>
-          <a:p>
-            <a:pPr algn="just"/>
-            <a:r>
-              <a:rPr lang="en-US" sz="2800" cap="none" dirty="0" smtClean="0"/>
-              <a:t>It typecast the string typed numbers into integer type.</a:t>
-            </a:r>
-          </a:p>
-        </p:txBody>
-      </p:sp>
-    </p:spTree>
-  </p:cSld>
-  <p:clrMapOvr>
-    <a:masterClrMapping/>
-  </p:clrMapOvr>
-  <p:transition>
-    <p:strips dir="ld"/>
-  </p:transition>
-  <p:timing>
-    <p:tnLst>
-      <p:par>
-        <p:cTn id="1" dur="indefinite" restart="never" nodeType="tmRoot"/>
-      </p:par>
-    </p:tnLst>
-  </p:timing>
-</p:sld>
-</file>
-
-<file path=ppt/slides/slide11.xml><?xml version="1.0" encoding="utf-8"?>
-<p:sld xmlns:a="http://schemas.openxmlformats.org/drawingml/2006/main" xmlns:r="http://schemas.openxmlformats.org/officeDocument/2006/relationships" xmlns:p="http://schemas.openxmlformats.org/presentationml/2006/main">
-  <p:cSld>
-    <p:spTree>
-      <p:nvGrpSpPr>
-        <p:cNvPr id="1" name=""/>
-        <p:cNvGrpSpPr/>
-        <p:nvPr/>
-      </p:nvGrpSpPr>
-      <p:grpSpPr>
-        <a:xfrm>
-          <a:off x="0" y="0"/>
-          <a:ext cx="0" cy="0"/>
-          <a:chOff x="0" y="0"/>
-          <a:chExt cx="0" cy="0"/>
-        </a:xfrm>
-      </p:grpSpPr>
-      <p:sp>
-        <p:nvSpPr>
-          <p:cNvPr id="2" name="Title 1"/>
-          <p:cNvSpPr>
-            <a:spLocks noGrp="1"/>
-          </p:cNvSpPr>
-          <p:nvPr>
-            <p:ph type="title"/>
-          </p:nvPr>
-        </p:nvSpPr>
-        <p:spPr>
-          <a:xfrm>
-            <a:off x="436051" y="5442857"/>
-            <a:ext cx="11029615" cy="653144"/>
-          </a:xfrm>
-        </p:spPr>
-        <p:txBody>
-          <a:bodyPr>
-            <a:noAutofit/>
-          </a:bodyPr>
-          <a:lstStyle/>
-          <a:p>
-            <a:r>
-              <a:rPr lang="en-US" sz="4400" cap="none" dirty="0" smtClean="0">
-                <a:solidFill>
-                  <a:schemeClr val="bg1"/>
-                </a:solidFill>
-              </a:rPr>
-              <a:t>	def password():</a:t>
-            </a:r>
-            <a:endParaRPr lang="en-US" sz="4400" cap="none" dirty="0">
-              <a:solidFill>
-                <a:schemeClr val="bg1"/>
-              </a:solidFill>
-            </a:endParaRPr>
-          </a:p>
-        </p:txBody>
-      </p:sp>
-      <p:sp>
-        <p:nvSpPr>
-          <p:cNvPr id="3" name="Text Placeholder 2"/>
-          <p:cNvSpPr>
-            <a:spLocks noGrp="1"/>
-          </p:cNvSpPr>
-          <p:nvPr>
-            <p:ph type="body" idx="1"/>
-          </p:nvPr>
-        </p:nvSpPr>
-        <p:spPr>
-          <a:xfrm>
-            <a:off x="479594" y="2510964"/>
-            <a:ext cx="11218920" cy="1756228"/>
-          </a:xfrm>
-        </p:spPr>
-        <p:txBody>
-          <a:bodyPr>
-            <a:normAutofit/>
-          </a:bodyPr>
-          <a:lstStyle/>
-          <a:p>
-            <a:pPr algn="just"/>
-            <a:r>
-              <a:rPr lang="en-US" sz="2800" cap="none" dirty="0" smtClean="0"/>
-              <a:t>Are you tired of thinking a super strong password for you accounts? Here’s the solution…</a:t>
-            </a:r>
-          </a:p>
-          <a:p>
-            <a:pPr algn="just"/>
-            <a:r>
-              <a:rPr lang="en-US" sz="2800" cap="none" dirty="0" smtClean="0"/>
-              <a:t>This function let BROTHER to generate a strong password for you.</a:t>
-            </a:r>
-          </a:p>
-        </p:txBody>
-      </p:sp>
-    </p:spTree>
-  </p:cSld>
-  <p:clrMapOvr>
-    <a:masterClrMapping/>
-  </p:clrMapOvr>
-  <p:transition>
-    <p:strips/>
-  </p:transition>
-  <p:timing>
-    <p:tnLst>
-      <p:par>
-        <p:cTn id="1" dur="indefinite" restart="never" nodeType="tmRoot"/>
-      </p:par>
-    </p:tnLst>
-  </p:timing>
-</p:sld>
-</file>
-
-<file path=ppt/slides/slide12.xml><?xml version="1.0" encoding="utf-8"?>
-<p:sld xmlns:a="http://schemas.openxmlformats.org/drawingml/2006/main" xmlns:r="http://schemas.openxmlformats.org/officeDocument/2006/relationships" xmlns:p="http://schemas.openxmlformats.org/presentationml/2006/main">
-  <p:cSld>
-    <p:spTree>
-      <p:nvGrpSpPr>
-        <p:cNvPr id="1" name=""/>
-        <p:cNvGrpSpPr/>
-        <p:nvPr/>
-      </p:nvGrpSpPr>
-      <p:grpSpPr>
-        <a:xfrm>
-          <a:off x="0" y="0"/>
-          <a:ext cx="0" cy="0"/>
-          <a:chOff x="0" y="0"/>
-          <a:chExt cx="0" cy="0"/>
-        </a:xfrm>
-      </p:grpSpPr>
-      <p:sp>
-        <p:nvSpPr>
-          <p:cNvPr id="2" name="Title 1"/>
-          <p:cNvSpPr>
-            <a:spLocks noGrp="1"/>
-          </p:cNvSpPr>
-          <p:nvPr>
-            <p:ph type="title"/>
-          </p:nvPr>
-        </p:nvSpPr>
-        <p:spPr>
-          <a:xfrm>
-            <a:off x="436051" y="5442857"/>
-            <a:ext cx="11029615" cy="653144"/>
-          </a:xfrm>
-        </p:spPr>
-        <p:txBody>
-          <a:bodyPr>
-            <a:noAutofit/>
-          </a:bodyPr>
-          <a:lstStyle/>
-          <a:p>
-            <a:r>
-              <a:rPr lang="en-US" sz="4400" cap="none" dirty="0" smtClean="0">
-                <a:solidFill>
-                  <a:schemeClr val="bg1"/>
-                </a:solidFill>
-              </a:rPr>
-              <a:t>	def </a:t>
-            </a:r>
-            <a:r>
-              <a:rPr lang="en-US" sz="4400" cap="none" dirty="0" smtClean="0">
-                <a:solidFill>
-                  <a:schemeClr val="bg1"/>
-                </a:solidFill>
-              </a:rPr>
-              <a:t>calling_everything():</a:t>
-            </a:r>
-            <a:endParaRPr lang="en-US" sz="4400" cap="none" dirty="0">
-              <a:solidFill>
-                <a:schemeClr val="bg1"/>
-              </a:solidFill>
-            </a:endParaRPr>
-          </a:p>
-        </p:txBody>
-      </p:sp>
-      <p:sp>
-        <p:nvSpPr>
-          <p:cNvPr id="3" name="Text Placeholder 2"/>
-          <p:cNvSpPr>
-            <a:spLocks noGrp="1"/>
-          </p:cNvSpPr>
-          <p:nvPr>
-            <p:ph type="body" idx="1"/>
-          </p:nvPr>
-        </p:nvSpPr>
-        <p:spPr>
-          <a:xfrm>
-            <a:off x="479594" y="2510964"/>
-            <a:ext cx="11218920" cy="1756228"/>
-          </a:xfrm>
-        </p:spPr>
-        <p:txBody>
-          <a:bodyPr>
-            <a:normAutofit/>
-          </a:bodyPr>
-          <a:lstStyle/>
-          <a:p>
-            <a:pPr algn="just"/>
-            <a:r>
-              <a:rPr lang="en-US" sz="2800" cap="none" dirty="0" smtClean="0"/>
-              <a:t>This function calls all other defined functions within itself whenever they are triggered by a speech input or needed.</a:t>
-            </a:r>
-            <a:endParaRPr lang="en-US" sz="2800" cap="none" dirty="0" smtClean="0"/>
-          </a:p>
-        </p:txBody>
-      </p:sp>
-    </p:spTree>
-  </p:cSld>
-  <p:clrMapOvr>
-    <a:masterClrMapping/>
-  </p:clrMapOvr>
-  <p:transition>
-    <p:strips/>
-  </p:transition>
-  <p:timing>
-    <p:tnLst>
-      <p:par>
-        <p:cTn id="1" dur="indefinite" restart="never" nodeType="tmRoot"/>
-      </p:par>
-    </p:tnLst>
-  </p:timing>
-</p:sld>
-</file>
-
-<file path=ppt/slides/slide2.xml><?xml version="1.0" encoding="utf-8"?>
+<file path=ppt/slides/slide3.xml><?xml version="1.0" encoding="utf-8"?>
 <p:sld xmlns:a="http://schemas.openxmlformats.org/drawingml/2006/main" xmlns:r="http://schemas.openxmlformats.org/officeDocument/2006/relationships" xmlns:p="http://schemas.openxmlformats.org/presentationml/2006/main">
   <p:cSld>
     <p:bg>
@@ -9569,10 +10147,10 @@
           <p:cNvPr id="31" name="Rectangle 30">
             <a:extLst>
               <a:ext uri="{FF2B5EF4-FFF2-40B4-BE49-F238E27FC236}">
-                <a16:creationId xmlns="" xmlns:a16="http://schemas.microsoft.com/office/drawing/2014/main" id="{12C05506-42A1-49C0-9D87-081CCD9023D6}"/>
+                <a16:creationId xmlns:a16="http://schemas.microsoft.com/office/drawing/2014/main" xmlns="" id="{12C05506-42A1-49C0-9D87-081CCD9023D6}"/>
               </a:ext>
               <a:ext uri="{C183D7F6-B498-43B3-948B-1728B52AA6E4}">
-                <adec:decorative xmlns="" xmlns:adec="http://schemas.microsoft.com/office/drawing/2017/decorative" val="1"/>
+                <adec:decorative xmlns:adec="http://schemas.microsoft.com/office/drawing/2017/decorative" xmlns="" val="1"/>
               </a:ext>
             </a:extLst>
           </p:cNvPr>
@@ -9582,7 +10160,7 @@
           <p:nvPr>
             <p:extLst>
               <p:ext uri="{386F3935-93C4-4BCD-93E2-E3B085C9AB24}">
-                <p16:designElem xmlns="" xmlns:p16="http://schemas.microsoft.com/office/powerpoint/2015/main" val="1"/>
+                <p16:designElem xmlns:p16="http://schemas.microsoft.com/office/powerpoint/2015/main" xmlns="" val="1"/>
               </p:ext>
             </p:extLst>
           </p:nvPr>
@@ -9623,7 +10201,7 @@
           <p:cNvPr id="2" name="Title 1">
             <a:extLst>
               <a:ext uri="{FF2B5EF4-FFF2-40B4-BE49-F238E27FC236}">
-                <a16:creationId xmlns="" xmlns:a16="http://schemas.microsoft.com/office/drawing/2014/main" id="{5B040558-A365-4CCE-92FA-5A48CD98F9C9}"/>
+                <a16:creationId xmlns:a16="http://schemas.microsoft.com/office/drawing/2014/main" xmlns="" id="{5B040558-A365-4CCE-92FA-5A48CD98F9C9}"/>
               </a:ext>
             </a:extLst>
           </p:cNvPr>
@@ -9839,7 +10417,7 @@
     </p:spTree>
     <p:extLst>
       <p:ext uri="{BB962C8B-B14F-4D97-AF65-F5344CB8AC3E}">
-        <p14:creationId xmlns="" xmlns:p14="http://schemas.microsoft.com/office/powerpoint/2010/main" val="1703342593"/>
+        <p14:creationId xmlns:p14="http://schemas.microsoft.com/office/powerpoint/2010/main" xmlns="" val="1703342593"/>
       </p:ext>
     </p:extLst>
   </p:cSld>
@@ -9859,7 +10437,7 @@
 </p:sld>
 </file>
 
-<file path=ppt/slides/slide3.xml><?xml version="1.0" encoding="utf-8"?>
+<file path=ppt/slides/slide4.xml><?xml version="1.0" encoding="utf-8"?>
 <p:sld xmlns:a="http://schemas.openxmlformats.org/drawingml/2006/main" xmlns:r="http://schemas.openxmlformats.org/officeDocument/2006/relationships" xmlns:p="http://schemas.openxmlformats.org/presentationml/2006/main">
   <p:cSld>
     <p:bg>
@@ -9889,10 +10467,10 @@
           <p:cNvPr id="13" name="Rectangle 12">
             <a:extLst>
               <a:ext uri="{FF2B5EF4-FFF2-40B4-BE49-F238E27FC236}">
-                <a16:creationId xmlns="" xmlns:a16="http://schemas.microsoft.com/office/drawing/2014/main" id="{4AE9D071-98CF-435C-BD2B-976514544DC5}"/>
+                <a16:creationId xmlns:a16="http://schemas.microsoft.com/office/drawing/2014/main" xmlns="" id="{4AE9D071-98CF-435C-BD2B-976514544DC5}"/>
               </a:ext>
               <a:ext uri="{C183D7F6-B498-43B3-948B-1728B52AA6E4}">
-                <adec:decorative xmlns="" xmlns:adec="http://schemas.microsoft.com/office/drawing/2017/decorative" val="1"/>
+                <adec:decorative xmlns:adec="http://schemas.microsoft.com/office/drawing/2017/decorative" xmlns="" val="1"/>
               </a:ext>
             </a:extLst>
           </p:cNvPr>
@@ -9902,7 +10480,7 @@
           <p:nvPr>
             <p:extLst>
               <p:ext uri="{386F3935-93C4-4BCD-93E2-E3B085C9AB24}">
-                <p16:designElem xmlns="" xmlns:p16="http://schemas.microsoft.com/office/powerpoint/2015/main" val="1"/>
+                <p16:designElem xmlns:p16="http://schemas.microsoft.com/office/powerpoint/2015/main" xmlns="" val="1"/>
               </p:ext>
             </p:extLst>
           </p:nvPr>
@@ -9949,7 +10527,7 @@
           <p:cNvPr id="8" name="Content Placeholder 4" descr="Digital Numbers">
             <a:extLst>
               <a:ext uri="{FF2B5EF4-FFF2-40B4-BE49-F238E27FC236}">
-                <a16:creationId xmlns="" xmlns:a16="http://schemas.microsoft.com/office/drawing/2014/main" id="{EA70616B-E344-4856-8DF9-707C26236613}"/>
+                <a16:creationId xmlns:a16="http://schemas.microsoft.com/office/drawing/2014/main" xmlns="" id="{EA70616B-E344-4856-8DF9-707C26236613}"/>
               </a:ext>
             </a:extLst>
           </p:cNvPr>
@@ -9962,7 +10540,7 @@
           <a:blip r:embed="rId3" cstate="screen">
             <a:extLst>
               <a:ext uri="{28A0092B-C50C-407E-A947-70E740481C1C}">
-                <a14:useLocalDpi xmlns="" xmlns:a14="http://schemas.microsoft.com/office/drawing/2010/main"/>
+                <a14:useLocalDpi xmlns:a14="http://schemas.microsoft.com/office/drawing/2010/main" xmlns=""/>
               </a:ext>
             </a:extLst>
           </a:blip>
@@ -9984,10 +10562,10 @@
           <p:cNvPr id="15" name="Group 14">
             <a:extLst>
               <a:ext uri="{FF2B5EF4-FFF2-40B4-BE49-F238E27FC236}">
-                <a16:creationId xmlns="" xmlns:a16="http://schemas.microsoft.com/office/drawing/2014/main" id="{D619FC33-16ED-4246-9596-BEFEB55E4CF6}"/>
+                <a16:creationId xmlns:a16="http://schemas.microsoft.com/office/drawing/2014/main" xmlns="" id="{D619FC33-16ED-4246-9596-BEFEB55E4CF6}"/>
               </a:ext>
               <a:ext uri="{C183D7F6-B498-43B3-948B-1728B52AA6E4}">
-                <adec:decorative xmlns="" xmlns:adec="http://schemas.microsoft.com/office/drawing/2017/decorative" val="1"/>
+                <adec:decorative xmlns:adec="http://schemas.microsoft.com/office/drawing/2017/decorative" xmlns="" val="1"/>
               </a:ext>
             </a:extLst>
           </p:cNvPr>
@@ -9997,7 +10575,7 @@
           <p:nvPr>
             <p:extLst>
               <p:ext uri="{386F3935-93C4-4BCD-93E2-E3B085C9AB24}">
-                <p16:designElem xmlns="" xmlns:p16="http://schemas.microsoft.com/office/powerpoint/2015/main" val="1"/>
+                <p16:designElem xmlns:p16="http://schemas.microsoft.com/office/powerpoint/2015/main" xmlns="" val="1"/>
               </p:ext>
             </p:extLst>
           </p:nvPr>
@@ -10015,10 +10593,10 @@
             <p:cNvPr id="16" name="Rectangle 15">
               <a:extLst>
                 <a:ext uri="{FF2B5EF4-FFF2-40B4-BE49-F238E27FC236}">
-                  <a16:creationId xmlns="" xmlns:a16="http://schemas.microsoft.com/office/drawing/2014/main" id="{2EEA80E1-F99F-4009-837F-2F72F8A5D580}"/>
+                  <a16:creationId xmlns:a16="http://schemas.microsoft.com/office/drawing/2014/main" xmlns="" id="{2EEA80E1-F99F-4009-837F-2F72F8A5D580}"/>
                 </a:ext>
                 <a:ext uri="{C183D7F6-B498-43B3-948B-1728B52AA6E4}">
-                  <adec:decorative xmlns="" xmlns:adec="http://schemas.microsoft.com/office/drawing/2017/decorative" val="1"/>
+                  <adec:decorative xmlns:adec="http://schemas.microsoft.com/office/drawing/2017/decorative" xmlns="" val="1"/>
                 </a:ext>
               </a:extLst>
             </p:cNvPr>
@@ -10026,7 +10604,7 @@
             <p:nvPr>
               <p:extLst>
                 <p:ext uri="{386F3935-93C4-4BCD-93E2-E3B085C9AB24}">
-                  <p16:designElem xmlns="" xmlns:p16="http://schemas.microsoft.com/office/powerpoint/2015/main" val="1"/>
+                  <p16:designElem xmlns:p16="http://schemas.microsoft.com/office/powerpoint/2015/main" xmlns="" val="1"/>
                 </p:ext>
               </p:extLst>
             </p:nvPr>
@@ -10069,10 +10647,10 @@
             <p:cNvPr id="17" name="Rectangle 16">
               <a:extLst>
                 <a:ext uri="{FF2B5EF4-FFF2-40B4-BE49-F238E27FC236}">
-                  <a16:creationId xmlns="" xmlns:a16="http://schemas.microsoft.com/office/drawing/2014/main" id="{0230AF9A-4641-4BD8-9F95-9607CD304039}"/>
+                  <a16:creationId xmlns:a16="http://schemas.microsoft.com/office/drawing/2014/main" xmlns="" id="{0230AF9A-4641-4BD8-9F95-9607CD304039}"/>
                 </a:ext>
                 <a:ext uri="{C183D7F6-B498-43B3-948B-1728B52AA6E4}">
-                  <adec:decorative xmlns="" xmlns:adec="http://schemas.microsoft.com/office/drawing/2017/decorative" val="1"/>
+                  <adec:decorative xmlns:adec="http://schemas.microsoft.com/office/drawing/2017/decorative" xmlns="" val="1"/>
                 </a:ext>
               </a:extLst>
             </p:cNvPr>
@@ -10080,7 +10658,7 @@
             <p:nvPr>
               <p:extLst>
                 <p:ext uri="{386F3935-93C4-4BCD-93E2-E3B085C9AB24}">
-                  <p16:designElem xmlns="" xmlns:p16="http://schemas.microsoft.com/office/powerpoint/2015/main" val="1"/>
+                  <p16:designElem xmlns:p16="http://schemas.microsoft.com/office/powerpoint/2015/main" xmlns="" val="1"/>
                 </p:ext>
               </p:extLst>
             </p:nvPr>
@@ -10121,10 +10699,10 @@
             <p:cNvPr id="18" name="Rectangle 17">
               <a:extLst>
                 <a:ext uri="{FF2B5EF4-FFF2-40B4-BE49-F238E27FC236}">
-                  <a16:creationId xmlns="" xmlns:a16="http://schemas.microsoft.com/office/drawing/2014/main" id="{8703D4EC-9389-41B6-B88B-B6FDC8CD3330}"/>
+                  <a16:creationId xmlns:a16="http://schemas.microsoft.com/office/drawing/2014/main" xmlns="" id="{8703D4EC-9389-41B6-B88B-B6FDC8CD3330}"/>
                 </a:ext>
                 <a:ext uri="{C183D7F6-B498-43B3-948B-1728B52AA6E4}">
-                  <adec:decorative xmlns="" xmlns:adec="http://schemas.microsoft.com/office/drawing/2017/decorative" val="1"/>
+                  <adec:decorative xmlns:adec="http://schemas.microsoft.com/office/drawing/2017/decorative" xmlns="" val="1"/>
                 </a:ext>
               </a:extLst>
             </p:cNvPr>
@@ -10132,7 +10710,7 @@
             <p:nvPr>
               <p:extLst>
                 <p:ext uri="{386F3935-93C4-4BCD-93E2-E3B085C9AB24}">
-                  <p16:designElem xmlns="" xmlns:p16="http://schemas.microsoft.com/office/powerpoint/2015/main" val="1"/>
+                  <p16:designElem xmlns:p16="http://schemas.microsoft.com/office/powerpoint/2015/main" xmlns="" val="1"/>
                 </p:ext>
               </p:extLst>
             </p:nvPr>
@@ -10174,7 +10752,7 @@
           <p:cNvPr id="2" name="Title 1">
             <a:extLst>
               <a:ext uri="{FF2B5EF4-FFF2-40B4-BE49-F238E27FC236}">
-                <a16:creationId xmlns="" xmlns:a16="http://schemas.microsoft.com/office/drawing/2014/main" id="{7F2616EE-270D-4F4C-BA1F-2708D387B800}"/>
+                <a16:creationId xmlns:a16="http://schemas.microsoft.com/office/drawing/2014/main" xmlns="" id="{7F2616EE-270D-4F4C-BA1F-2708D387B800}"/>
               </a:ext>
             </a:extLst>
           </p:cNvPr>
@@ -10200,7 +10778,15 @@
             <a:pPr algn="ctr"/>
             <a:r>
               <a:rPr lang="en-US" dirty="0" smtClean="0"/>
-              <a:t>Modules used</a:t>
+              <a:t>Libraries</a:t>
+            </a:r>
+            <a:r>
+              <a:rPr lang="en-US" dirty="0" smtClean="0"/>
+              <a:t> </a:t>
+            </a:r>
+            <a:r>
+              <a:rPr lang="en-US" dirty="0" smtClean="0"/>
+              <a:t>used</a:t>
             </a:r>
             <a:endParaRPr lang="en-US" dirty="0"/>
           </a:p>
@@ -10211,7 +10797,7 @@
           <p:cNvPr id="6" name="Content Placeholder 5" descr="SmartArt">
             <a:extLst>
               <a:ext uri="{FF2B5EF4-FFF2-40B4-BE49-F238E27FC236}">
-                <a16:creationId xmlns="" xmlns:a16="http://schemas.microsoft.com/office/drawing/2014/main" id="{BF629521-FFD2-45DA-9D1D-A5F09BD5A2D9}"/>
+                <a16:creationId xmlns:a16="http://schemas.microsoft.com/office/drawing/2014/main" xmlns="" id="{BF629521-FFD2-45DA-9D1D-A5F09BD5A2D9}"/>
               </a:ext>
             </a:extLst>
           </p:cNvPr>
@@ -10222,7 +10808,7 @@
             <p:ph idx="1"/>
             <p:extLst>
               <p:ext uri="{D42A27DB-BD31-4B8C-83A1-F6EECF244321}">
-                <p14:modId xmlns="" xmlns:p14="http://schemas.microsoft.com/office/powerpoint/2010/main" val="3961337641"/>
+                <p14:modId xmlns:p14="http://schemas.microsoft.com/office/powerpoint/2010/main" xmlns="" val="3961337641"/>
               </p:ext>
             </p:extLst>
           </p:nvPr>
@@ -10240,7 +10826,7 @@
     </p:spTree>
     <p:extLst>
       <p:ext uri="{BB962C8B-B14F-4D97-AF65-F5344CB8AC3E}">
-        <p14:creationId xmlns="" xmlns:p14="http://schemas.microsoft.com/office/powerpoint/2010/main" val="4209322005"/>
+        <p14:creationId xmlns:p14="http://schemas.microsoft.com/office/powerpoint/2010/main" xmlns="" val="4209322005"/>
       </p:ext>
     </p:extLst>
   </p:cSld>
@@ -10260,7 +10846,7 @@
 </p:sld>
 </file>
 
-<file path=ppt/slides/slide4.xml><?xml version="1.0" encoding="utf-8"?>
+<file path=ppt/slides/slide5.xml><?xml version="1.0" encoding="utf-8"?>
 <p:sld xmlns:a="http://schemas.openxmlformats.org/drawingml/2006/main" xmlns:r="http://schemas.openxmlformats.org/officeDocument/2006/relationships" xmlns:p="http://schemas.openxmlformats.org/presentationml/2006/main">
   <p:cSld>
     <p:bg>
@@ -10290,10 +10876,10 @@
           <p:cNvPr id="10" name="Rectangle 9">
             <a:extLst>
               <a:ext uri="{FF2B5EF4-FFF2-40B4-BE49-F238E27FC236}">
-                <a16:creationId xmlns="" xmlns:a16="http://schemas.microsoft.com/office/drawing/2014/main" id="{379F11E2-8BA5-4C5C-AE7C-361E5EA011FF}"/>
+                <a16:creationId xmlns:a16="http://schemas.microsoft.com/office/drawing/2014/main" xmlns="" id="{379F11E2-8BA5-4C5C-AE7C-361E5EA011FF}"/>
               </a:ext>
               <a:ext uri="{C183D7F6-B498-43B3-948B-1728B52AA6E4}">
-                <adec:decorative xmlns="" xmlns:adec="http://schemas.microsoft.com/office/drawing/2017/decorative" val="1"/>
+                <adec:decorative xmlns:adec="http://schemas.microsoft.com/office/drawing/2017/decorative" xmlns="" val="1"/>
               </a:ext>
             </a:extLst>
           </p:cNvPr>
@@ -10303,7 +10889,7 @@
           <p:nvPr>
             <p:extLst>
               <p:ext uri="{386F3935-93C4-4BCD-93E2-E3B085C9AB24}">
-                <p16:designElem xmlns="" xmlns:p16="http://schemas.microsoft.com/office/powerpoint/2015/main" val="1"/>
+                <p16:designElem xmlns:p16="http://schemas.microsoft.com/office/powerpoint/2015/main" xmlns="" val="1"/>
               </p:ext>
             </p:extLst>
           </p:nvPr>
@@ -10350,7 +10936,7 @@
           <p:cNvPr id="5" name="Picture 4" descr="Digital Numbers">
             <a:extLst>
               <a:ext uri="{FF2B5EF4-FFF2-40B4-BE49-F238E27FC236}">
-                <a16:creationId xmlns="" xmlns:a16="http://schemas.microsoft.com/office/drawing/2014/main" id="{A21EA617-6D48-425F-97A8-7FEC82C8F401}"/>
+                <a16:creationId xmlns:a16="http://schemas.microsoft.com/office/drawing/2014/main" xmlns="" id="{A21EA617-6D48-425F-97A8-7FEC82C8F401}"/>
               </a:ext>
             </a:extLst>
           </p:cNvPr>
@@ -10363,7 +10949,7 @@
           <a:blip r:embed="rId3" cstate="screen">
             <a:extLst>
               <a:ext uri="{28A0092B-C50C-407E-A947-70E740481C1C}">
-                <a14:useLocalDpi xmlns="" xmlns:a14="http://schemas.microsoft.com/office/drawing/2010/main"/>
+                <a14:useLocalDpi xmlns:a14="http://schemas.microsoft.com/office/drawing/2010/main" xmlns=""/>
               </a:ext>
             </a:extLst>
           </a:blip>
@@ -10385,10 +10971,10 @@
           <p:cNvPr id="12" name="Rectangle 11">
             <a:extLst>
               <a:ext uri="{FF2B5EF4-FFF2-40B4-BE49-F238E27FC236}">
-                <a16:creationId xmlns="" xmlns:a16="http://schemas.microsoft.com/office/drawing/2014/main" id="{7C00E1DA-EC7C-40FC-95E3-11FDCD2E4291}"/>
+                <a16:creationId xmlns:a16="http://schemas.microsoft.com/office/drawing/2014/main" xmlns="" id="{7C00E1DA-EC7C-40FC-95E3-11FDCD2E4291}"/>
               </a:ext>
               <a:ext uri="{C183D7F6-B498-43B3-948B-1728B52AA6E4}">
-                <adec:decorative xmlns="" xmlns:adec="http://schemas.microsoft.com/office/drawing/2017/decorative" val="1"/>
+                <adec:decorative xmlns:adec="http://schemas.microsoft.com/office/drawing/2017/decorative" xmlns="" val="1"/>
               </a:ext>
             </a:extLst>
           </p:cNvPr>
@@ -10398,7 +10984,7 @@
           <p:nvPr>
             <p:extLst>
               <p:ext uri="{386F3935-93C4-4BCD-93E2-E3B085C9AB24}">
-                <p16:designElem xmlns="" xmlns:p16="http://schemas.microsoft.com/office/powerpoint/2015/main" val="1"/>
+                <p16:designElem xmlns:p16="http://schemas.microsoft.com/office/powerpoint/2015/main" xmlns="" val="1"/>
               </p:ext>
             </p:extLst>
           </p:nvPr>
@@ -10439,7 +11025,7 @@
           <p:cNvPr id="2" name="Title 1">
             <a:extLst>
               <a:ext uri="{FF2B5EF4-FFF2-40B4-BE49-F238E27FC236}">
-                <a16:creationId xmlns="" xmlns:a16="http://schemas.microsoft.com/office/drawing/2014/main" id="{0F87E73C-2B1A-4602-BFBE-CFE1E55D9B38}"/>
+                <a16:creationId xmlns:a16="http://schemas.microsoft.com/office/drawing/2014/main" xmlns="" id="{0F87E73C-2B1A-4602-BFBE-CFE1E55D9B38}"/>
               </a:ext>
             </a:extLst>
           </p:cNvPr>
@@ -10483,7 +11069,7 @@
           <p:cNvPr id="3" name="Subtitle 2">
             <a:extLst>
               <a:ext uri="{FF2B5EF4-FFF2-40B4-BE49-F238E27FC236}">
-                <a16:creationId xmlns="" xmlns:a16="http://schemas.microsoft.com/office/drawing/2014/main" id="{A9CB511D-EA45-4336-847C-1252667143B5}"/>
+                <a16:creationId xmlns:a16="http://schemas.microsoft.com/office/drawing/2014/main" xmlns="" id="{A9CB511D-EA45-4336-847C-1252667143B5}"/>
               </a:ext>
             </a:extLst>
           </p:cNvPr>
@@ -10541,10 +11127,10 @@
           <p:cNvPr id="14" name="Group 13">
             <a:extLst>
               <a:ext uri="{FF2B5EF4-FFF2-40B4-BE49-F238E27FC236}">
-                <a16:creationId xmlns="" xmlns:a16="http://schemas.microsoft.com/office/drawing/2014/main" id="{9A421166-2996-41A7-B094-AE5316F347DD}"/>
+                <a16:creationId xmlns:a16="http://schemas.microsoft.com/office/drawing/2014/main" xmlns="" id="{9A421166-2996-41A7-B094-AE5316F347DD}"/>
               </a:ext>
               <a:ext uri="{C183D7F6-B498-43B3-948B-1728B52AA6E4}">
-                <adec:decorative xmlns="" xmlns:adec="http://schemas.microsoft.com/office/drawing/2017/decorative" val="1"/>
+                <adec:decorative xmlns:adec="http://schemas.microsoft.com/office/drawing/2017/decorative" xmlns="" val="1"/>
               </a:ext>
             </a:extLst>
           </p:cNvPr>
@@ -10554,7 +11140,7 @@
           <p:nvPr>
             <p:extLst>
               <p:ext uri="{386F3935-93C4-4BCD-93E2-E3B085C9AB24}">
-                <p16:designElem xmlns="" xmlns:p16="http://schemas.microsoft.com/office/powerpoint/2015/main" val="1"/>
+                <p16:designElem xmlns:p16="http://schemas.microsoft.com/office/powerpoint/2015/main" xmlns="" val="1"/>
               </p:ext>
             </p:extLst>
           </p:nvPr>
@@ -10572,10 +11158,10 @@
             <p:cNvPr id="15" name="Rectangle 14">
               <a:extLst>
                 <a:ext uri="{FF2B5EF4-FFF2-40B4-BE49-F238E27FC236}">
-                  <a16:creationId xmlns="" xmlns:a16="http://schemas.microsoft.com/office/drawing/2014/main" id="{FDBB1B92-A3EB-43E4-8FAB-D20E8ED14CEF}"/>
+                  <a16:creationId xmlns:a16="http://schemas.microsoft.com/office/drawing/2014/main" xmlns="" id="{FDBB1B92-A3EB-43E4-8FAB-D20E8ED14CEF}"/>
                 </a:ext>
                 <a:ext uri="{C183D7F6-B498-43B3-948B-1728B52AA6E4}">
-                  <adec:decorative xmlns="" xmlns:adec="http://schemas.microsoft.com/office/drawing/2017/decorative" val="1"/>
+                  <adec:decorative xmlns:adec="http://schemas.microsoft.com/office/drawing/2017/decorative" xmlns="" val="1"/>
                 </a:ext>
               </a:extLst>
             </p:cNvPr>
@@ -10583,7 +11169,7 @@
             <p:nvPr>
               <p:extLst>
                 <p:ext uri="{386F3935-93C4-4BCD-93E2-E3B085C9AB24}">
-                  <p16:designElem xmlns="" xmlns:p16="http://schemas.microsoft.com/office/powerpoint/2015/main" val="1"/>
+                  <p16:designElem xmlns:p16="http://schemas.microsoft.com/office/powerpoint/2015/main" xmlns="" val="1"/>
                 </p:ext>
               </p:extLst>
             </p:nvPr>
@@ -10624,10 +11210,10 @@
             <p:cNvPr id="16" name="Rectangle 15">
               <a:extLst>
                 <a:ext uri="{FF2B5EF4-FFF2-40B4-BE49-F238E27FC236}">
-                  <a16:creationId xmlns="" xmlns:a16="http://schemas.microsoft.com/office/drawing/2014/main" id="{3F3972F4-FE7E-48EA-AAD8-9BE5750A6672}"/>
+                  <a16:creationId xmlns:a16="http://schemas.microsoft.com/office/drawing/2014/main" xmlns="" id="{3F3972F4-FE7E-48EA-AAD8-9BE5750A6672}"/>
                 </a:ext>
                 <a:ext uri="{C183D7F6-B498-43B3-948B-1728B52AA6E4}">
-                  <adec:decorative xmlns="" xmlns:adec="http://schemas.microsoft.com/office/drawing/2017/decorative" val="1"/>
+                  <adec:decorative xmlns:adec="http://schemas.microsoft.com/office/drawing/2017/decorative" xmlns="" val="1"/>
                 </a:ext>
               </a:extLst>
             </p:cNvPr>
@@ -10635,7 +11221,7 @@
             <p:nvPr>
               <p:extLst>
                 <p:ext uri="{386F3935-93C4-4BCD-93E2-E3B085C9AB24}">
-                  <p16:designElem xmlns="" xmlns:p16="http://schemas.microsoft.com/office/powerpoint/2015/main" val="1"/>
+                  <p16:designElem xmlns:p16="http://schemas.microsoft.com/office/powerpoint/2015/main" xmlns="" val="1"/>
                 </p:ext>
               </p:extLst>
             </p:nvPr>
@@ -10676,10 +11262,10 @@
             <p:cNvPr id="17" name="Rectangle 16">
               <a:extLst>
                 <a:ext uri="{FF2B5EF4-FFF2-40B4-BE49-F238E27FC236}">
-                  <a16:creationId xmlns="" xmlns:a16="http://schemas.microsoft.com/office/drawing/2014/main" id="{221614E5-870B-4D5E-A43B-8FF7E5323484}"/>
+                  <a16:creationId xmlns:a16="http://schemas.microsoft.com/office/drawing/2014/main" xmlns="" id="{221614E5-870B-4D5E-A43B-8FF7E5323484}"/>
                 </a:ext>
                 <a:ext uri="{C183D7F6-B498-43B3-948B-1728B52AA6E4}">
-                  <adec:decorative xmlns="" xmlns:adec="http://schemas.microsoft.com/office/drawing/2017/decorative" val="1"/>
+                  <adec:decorative xmlns:adec="http://schemas.microsoft.com/office/drawing/2017/decorative" xmlns="" val="1"/>
                 </a:ext>
               </a:extLst>
             </p:cNvPr>
@@ -10687,7 +11273,7 @@
             <p:nvPr>
               <p:extLst>
                 <p:ext uri="{386F3935-93C4-4BCD-93E2-E3B085C9AB24}">
-                  <p16:designElem xmlns="" xmlns:p16="http://schemas.microsoft.com/office/powerpoint/2015/main" val="1"/>
+                  <p16:designElem xmlns:p16="http://schemas.microsoft.com/office/powerpoint/2015/main" xmlns="" val="1"/>
                 </p:ext>
               </p:extLst>
             </p:nvPr>
@@ -10727,7 +11313,7 @@
     </p:spTree>
     <p:extLst>
       <p:ext uri="{BB962C8B-B14F-4D97-AF65-F5344CB8AC3E}">
-        <p14:creationId xmlns="" xmlns:p14="http://schemas.microsoft.com/office/powerpoint/2010/main" val="3501347425"/>
+        <p14:creationId xmlns:p14="http://schemas.microsoft.com/office/powerpoint/2010/main" xmlns="" val="3501347425"/>
       </p:ext>
     </p:extLst>
   </p:cSld>
@@ -10736,110 +11322,6 @@
   </p:clrMapOvr>
   <p:transition>
     <p:pull dir="rd"/>
-  </p:transition>
-  <p:timing>
-    <p:tnLst>
-      <p:par>
-        <p:cTn id="1" dur="indefinite" restart="never" nodeType="tmRoot"/>
-      </p:par>
-    </p:tnLst>
-  </p:timing>
-</p:sld>
-</file>
-
-<file path=ppt/slides/slide5.xml><?xml version="1.0" encoding="utf-8"?>
-<p:sld xmlns:a="http://schemas.openxmlformats.org/drawingml/2006/main" xmlns:r="http://schemas.openxmlformats.org/officeDocument/2006/relationships" xmlns:p="http://schemas.openxmlformats.org/presentationml/2006/main">
-  <p:cSld>
-    <p:spTree>
-      <p:nvGrpSpPr>
-        <p:cNvPr id="1" name=""/>
-        <p:cNvGrpSpPr/>
-        <p:nvPr/>
-      </p:nvGrpSpPr>
-      <p:grpSpPr>
-        <a:xfrm>
-          <a:off x="0" y="0"/>
-          <a:ext cx="0" cy="0"/>
-          <a:chOff x="0" y="0"/>
-          <a:chExt cx="0" cy="0"/>
-        </a:xfrm>
-      </p:grpSpPr>
-      <p:sp>
-        <p:nvSpPr>
-          <p:cNvPr id="2" name="Title 1"/>
-          <p:cNvSpPr>
-            <a:spLocks noGrp="1"/>
-          </p:cNvSpPr>
-          <p:nvPr>
-            <p:ph type="title"/>
-          </p:nvPr>
-        </p:nvSpPr>
-        <p:spPr>
-          <a:xfrm>
-            <a:off x="436051" y="5442857"/>
-            <a:ext cx="11029615" cy="653144"/>
-          </a:xfrm>
-        </p:spPr>
-        <p:txBody>
-          <a:bodyPr>
-            <a:noAutofit/>
-          </a:bodyPr>
-          <a:lstStyle/>
-          <a:p>
-            <a:r>
-              <a:rPr lang="en-US" sz="4400" cap="none" dirty="0" smtClean="0">
-                <a:solidFill>
-                  <a:schemeClr val="bg1"/>
-                </a:solidFill>
-              </a:rPr>
-              <a:t>	def speak(audio):</a:t>
-            </a:r>
-            <a:endParaRPr lang="en-US" sz="4400" cap="none" dirty="0">
-              <a:solidFill>
-                <a:schemeClr val="bg1"/>
-              </a:solidFill>
-            </a:endParaRPr>
-          </a:p>
-        </p:txBody>
-      </p:sp>
-      <p:sp>
-        <p:nvSpPr>
-          <p:cNvPr id="3" name="Text Placeholder 2"/>
-          <p:cNvSpPr>
-            <a:spLocks noGrp="1"/>
-          </p:cNvSpPr>
-          <p:nvPr>
-            <p:ph type="body" idx="1"/>
-          </p:nvPr>
-        </p:nvSpPr>
-        <p:spPr>
-          <a:xfrm>
-            <a:off x="465080" y="2510949"/>
-            <a:ext cx="11247949" cy="1756228"/>
-          </a:xfrm>
-        </p:spPr>
-        <p:txBody>
-          <a:bodyPr>
-            <a:normAutofit/>
-          </a:bodyPr>
-          <a:lstStyle/>
-          <a:p>
-            <a:pPr algn="just"/>
-            <a:r>
-              <a:rPr lang="en-US" sz="2800" cap="none" dirty="0" smtClean="0"/>
-              <a:t>It enables BROTHER to speak or say(verbally),  whatever it gets as an string input in the parameter ‘audio’.</a:t>
-            </a:r>
-            <a:endParaRPr lang="en-US" sz="2800" cap="none" dirty="0"/>
-          </a:p>
-        </p:txBody>
-      </p:sp>
-    </p:spTree>
-  </p:cSld>
-  <p:clrMapOvr>
-    <a:masterClrMapping/>
-  </p:clrMapOvr>
-  <p:transition>
-    <p:pull dir="ru"/>
   </p:transition>
   <p:timing>
     <p:tnLst>
@@ -10896,7 +11378,7 @@
                   <a:schemeClr val="bg1"/>
                 </a:solidFill>
               </a:rPr>
-              <a:t>	def wish():</a:t>
+              <a:t>	def speak(audio):</a:t>
             </a:r>
             <a:endParaRPr lang="en-US" sz="4400" cap="none" dirty="0">
               <a:solidFill>
@@ -10918,8 +11400,8 @@
         </p:nvSpPr>
         <p:spPr>
           <a:xfrm>
-            <a:off x="479594" y="2510964"/>
-            <a:ext cx="11189892" cy="1756228"/>
+            <a:off x="465080" y="2510949"/>
+            <a:ext cx="11247949" cy="1756228"/>
           </a:xfrm>
         </p:spPr>
         <p:txBody>
@@ -10931,7 +11413,7 @@
             <a:pPr algn="just"/>
             <a:r>
               <a:rPr lang="en-US" sz="2800" cap="none" dirty="0" smtClean="0"/>
-              <a:t>This function let BROTHER to wish the user or it’s owner according to real-time hours and minutes.</a:t>
+              <a:t>It enables BROTHER to speak or say(verbally),  whatever it gets as an string input in the parameter ‘audio’.</a:t>
             </a:r>
             <a:endParaRPr lang="en-US" sz="2800" cap="none" dirty="0"/>
           </a:p>
@@ -10943,7 +11425,7 @@
     <a:masterClrMapping/>
   </p:clrMapOvr>
   <p:transition>
-    <p:split dir="in"/>
+    <p:pull dir="ru"/>
   </p:transition>
   <p:timing>
     <p:tnLst>
@@ -11000,7 +11482,7 @@
                   <a:schemeClr val="bg1"/>
                 </a:solidFill>
               </a:rPr>
-              <a:t>	def get_command():</a:t>
+              <a:t>	def wish():</a:t>
             </a:r>
             <a:endParaRPr lang="en-US" sz="4400" cap="none" dirty="0">
               <a:solidFill>
@@ -11023,7 +11505,7 @@
         <p:spPr>
           <a:xfrm>
             <a:off x="479594" y="2510964"/>
-            <a:ext cx="11218920" cy="1756228"/>
+            <a:ext cx="11189892" cy="1756228"/>
           </a:xfrm>
         </p:spPr>
         <p:txBody>
@@ -11035,8 +11517,9 @@
             <a:pPr algn="just"/>
             <a:r>
               <a:rPr lang="en-US" sz="2800" cap="none" dirty="0" smtClean="0"/>
-              <a:t>It helps BROTHER to take command as a voice input from the user. It takes help of Google’s Speech Recognition system to get and recognize the input via system’s microphone.</a:t>
-            </a:r>
+              <a:t>This function let BROTHER to wish the user or it’s owner according to real-time hours and minutes.</a:t>
+            </a:r>
+            <a:endParaRPr lang="en-US" sz="2800" cap="none" dirty="0"/>
           </a:p>
         </p:txBody>
       </p:sp>
@@ -11046,7 +11529,7 @@
     <a:masterClrMapping/>
   </p:clrMapOvr>
   <p:transition>
-    <p:split/>
+    <p:split dir="in"/>
   </p:transition>
   <p:timing>
     <p:tnLst>
@@ -11103,7 +11586,7 @@
                   <a:schemeClr val="bg1"/>
                 </a:solidFill>
               </a:rPr>
-              <a:t>	def intro():</a:t>
+              <a:t>	def get_command():</a:t>
             </a:r>
             <a:endParaRPr lang="en-US" sz="4400" cap="none" dirty="0">
               <a:solidFill>
@@ -11138,14 +11621,7 @@
             <a:pPr algn="just"/>
             <a:r>
               <a:rPr lang="en-US" sz="2800" cap="none" dirty="0" smtClean="0"/>
-              <a:t>Who are you(BROTHER)?</a:t>
-            </a:r>
-          </a:p>
-          <a:p>
-            <a:pPr algn="just"/>
-            <a:r>
-              <a:rPr lang="en-US" sz="2800" cap="none" dirty="0" smtClean="0"/>
-              <a:t>Literally, this question is answered by this function which let BROTHER to introduce itself.</a:t>
+              <a:t>It helps BROTHER to take command as a voice input from the user. It takes help of Google’s Speech Recognition system to get and recognize the input via system’s microphone.</a:t>
             </a:r>
           </a:p>
         </p:txBody>
@@ -11156,7 +11632,7 @@
     <a:masterClrMapping/>
   </p:clrMapOvr>
   <p:transition>
-    <p:split orient="vert" dir="in"/>
+    <p:split/>
   </p:transition>
   <p:timing>
     <p:tnLst>
@@ -11197,8 +11673,8 @@
         </p:nvSpPr>
         <p:spPr>
           <a:xfrm>
-            <a:off x="436051" y="5080001"/>
-            <a:ext cx="11320520" cy="1016004"/>
+            <a:off x="436051" y="5442857"/>
+            <a:ext cx="11029615" cy="653144"/>
           </a:xfrm>
         </p:spPr>
         <p:txBody>
@@ -11213,71 +11689,7 @@
                   <a:schemeClr val="bg1"/>
                 </a:solidFill>
               </a:rPr>
-              <a:t>	def messaging(</a:t>
-            </a:r>
-            <a:r>
-              <a:rPr lang="en-US" sz="4400" cap="none" dirty="0" err="1" smtClean="0">
-                <a:solidFill>
-                  <a:schemeClr val="bg1"/>
-                </a:solidFill>
-              </a:rPr>
-              <a:t>pnmbr</a:t>
-            </a:r>
-            <a:r>
-              <a:rPr lang="en-US" sz="4400" cap="none" dirty="0" smtClean="0">
-                <a:solidFill>
-                  <a:schemeClr val="bg1"/>
-                </a:solidFill>
-              </a:rPr>
-              <a:t>,  </a:t>
-            </a:r>
-            <a:r>
-              <a:rPr lang="en-US" sz="4400" cap="none" dirty="0" err="1" smtClean="0">
-                <a:solidFill>
-                  <a:schemeClr val="bg1"/>
-                </a:solidFill>
-              </a:rPr>
-              <a:t>mesg</a:t>
-            </a:r>
-            <a:r>
-              <a:rPr lang="en-US" sz="4400" cap="none" dirty="0" smtClean="0">
-                <a:solidFill>
-                  <a:schemeClr val="bg1"/>
-                </a:solidFill>
-              </a:rPr>
-              <a:t>,  </a:t>
-            </a:r>
-            <a:r>
-              <a:rPr lang="en-US" sz="4400" cap="none" dirty="0" err="1" smtClean="0">
-                <a:solidFill>
-                  <a:schemeClr val="bg1"/>
-                </a:solidFill>
-              </a:rPr>
-              <a:t>thr</a:t>
-            </a:r>
-            <a:r>
-              <a:rPr lang="en-US" sz="4400" cap="none" dirty="0" smtClean="0">
-                <a:solidFill>
-                  <a:schemeClr val="bg1"/>
-                </a:solidFill>
-              </a:rPr>
-              <a:t>,  </a:t>
-            </a:r>
-            <a:r>
-              <a:rPr lang="en-US" sz="4400" cap="none" dirty="0" err="1" smtClean="0">
-                <a:solidFill>
-                  <a:schemeClr val="bg1"/>
-                </a:solidFill>
-              </a:rPr>
-              <a:t>tmin</a:t>
-            </a:r>
-            <a:r>
-              <a:rPr lang="en-US" sz="4400" cap="none" dirty="0" smtClean="0">
-                <a:solidFill>
-                  <a:schemeClr val="bg1"/>
-                </a:solidFill>
-              </a:rPr>
-              <a:t>):</a:t>
+              <a:t>	def intro():</a:t>
             </a:r>
             <a:endParaRPr lang="en-US" sz="4400" cap="none" dirty="0">
               <a:solidFill>
@@ -11312,7 +11724,14 @@
             <a:pPr algn="just"/>
             <a:r>
               <a:rPr lang="en-US" sz="2800" cap="none" dirty="0" smtClean="0"/>
-              <a:t>If you want to send a text message using Whatsapp,  give a chance to BROTHER  make is so.</a:t>
+              <a:t>Who are you(BROTHER)?</a:t>
+            </a:r>
+          </a:p>
+          <a:p>
+            <a:pPr algn="just"/>
+            <a:r>
+              <a:rPr lang="en-US" sz="2800" cap="none" dirty="0" smtClean="0"/>
+              <a:t>Literally, this question is answered by this function which let BROTHER to introduce itself.</a:t>
             </a:r>
           </a:p>
         </p:txBody>
@@ -11323,7 +11742,7 @@
     <a:masterClrMapping/>
   </p:clrMapOvr>
   <p:transition>
-    <p:split orient="vert"/>
+    <p:split orient="vert" dir="in"/>
   </p:transition>
   <p:timing>
     <p:tnLst>
@@ -11598,7 +12017,7 @@
   <a:extraClrSchemeLst/>
   <a:extLst>
     <a:ext uri="{05A4C25C-085E-4340-85A3-A5531E510DB2}">
-      <thm15:themeFamily xmlns="" xmlns:thm15="http://schemas.microsoft.com/office/thememl/2012/main" name="Dividend" id="{9697A71B-4AB7-4A1A-BD5B-BB2D22835B57}" vid="{66F1C100-1D2B-4BEA-AD01-C4F230B3B965}"/>
+      <thm15:themeFamily xmlns:thm15="http://schemas.microsoft.com/office/thememl/2012/main" xmlns="" name="Dividend" id="{9697A71B-4AB7-4A1A-BD5B-BB2D22835B57}" vid="{66F1C100-1D2B-4BEA-AD01-C4F230B3B965}"/>
     </a:ext>
   </a:extLst>
 </a:theme>
@@ -11893,7 +12312,7 @@
   <a:extraClrSchemeLst/>
   <a:extLst>
     <a:ext uri="{05A4C25C-085E-4340-85A3-A5531E510DB2}">
-      <thm15:themeFamily xmlns="" xmlns:thm15="http://schemas.microsoft.com/office/thememl/2012/main" name="Office Theme" id="{62F939B6-93AF-4DB8-9C6B-D6C7DFDC589F}" vid="{4A3C46E8-61CC-4603-A589-7422A47A8E4A}"/>
+      <thm15:themeFamily xmlns:thm15="http://schemas.microsoft.com/office/thememl/2012/main" xmlns="" name="Office Theme" id="{62F939B6-93AF-4DB8-9C6B-D6C7DFDC589F}" vid="{4A3C46E8-61CC-4603-A589-7422A47A8E4A}"/>
     </a:ext>
   </a:extLst>
 </a:theme>
@@ -12188,19 +12607,19 @@
   <a:extraClrSchemeLst/>
   <a:extLst>
     <a:ext uri="{05A4C25C-085E-4340-85A3-A5531E510DB2}">
-      <thm15:themeFamily xmlns="" xmlns:thm15="http://schemas.microsoft.com/office/thememl/2012/main" name="Office Theme" id="{62F939B6-93AF-4DB8-9C6B-D6C7DFDC589F}" vid="{4A3C46E8-61CC-4603-A589-7422A47A8E4A}"/>
+      <thm15:themeFamily xmlns:thm15="http://schemas.microsoft.com/office/thememl/2012/main" xmlns="" name="Office Theme" id="{62F939B6-93AF-4DB8-9C6B-D6C7DFDC589F}" vid="{4A3C46E8-61CC-4603-A589-7422A47A8E4A}"/>
     </a:ext>
   </a:extLst>
 </a:theme>
 </file>
 
 <file path=customXml/item1.xml><?xml version="1.0" encoding="utf-8"?>
-<p:properties xmlns:p="http://schemas.microsoft.com/office/2006/metadata/properties" xmlns:xsi="http://www.w3.org/2001/XMLSchema-instance" xmlns:pc="http://schemas.microsoft.com/office/infopath/2007/PartnerControls">
-  <documentManagement>
-    <Status xmlns="71af3243-3dd4-4a8d-8c0d-dd76da1f02a5">Not started</Status>
-    <MediaServiceKeyPoints xmlns="71af3243-3dd4-4a8d-8c0d-dd76da1f02a5" xsi:nil="true"/>
-  </documentManagement>
-</p:properties>
+<?mso-contentType ?>
+<FormTemplates xmlns="http://schemas.microsoft.com/sharepoint/v3/contenttype/forms">
+  <Display>DocumentLibraryForm</Display>
+  <Edit>DocumentLibraryForm</Edit>
+  <New>DocumentLibraryForm</New>
+</FormTemplates>
 </file>
 
 <file path=customXml/item2.xml><?xml version="1.0" encoding="utf-8"?>
@@ -12425,20 +12844,18 @@
 </file>
 
 <file path=customXml/item3.xml><?xml version="1.0" encoding="utf-8"?>
-<?mso-contentType ?>
-<FormTemplates xmlns="http://schemas.microsoft.com/sharepoint/v3/contenttype/forms">
-  <Display>DocumentLibraryForm</Display>
-  <Edit>DocumentLibraryForm</Edit>
-  <New>DocumentLibraryForm</New>
-</FormTemplates>
+<p:properties xmlns:p="http://schemas.microsoft.com/office/2006/metadata/properties" xmlns:xsi="http://www.w3.org/2001/XMLSchema-instance" xmlns:pc="http://schemas.microsoft.com/office/infopath/2007/PartnerControls">
+  <documentManagement>
+    <Status xmlns="71af3243-3dd4-4a8d-8c0d-dd76da1f02a5">Not started</Status>
+    <MediaServiceKeyPoints xmlns="71af3243-3dd4-4a8d-8c0d-dd76da1f02a5" xsi:nil="true"/>
+  </documentManagement>
+</p:properties>
 </file>
 
 <file path=customXml/itemProps1.xml><?xml version="1.0" encoding="utf-8"?>
-<ds:datastoreItem xmlns:ds="http://schemas.openxmlformats.org/officeDocument/2006/customXml" ds:itemID="{55B48092-4A2C-4E16-B971-9ACADFFF69E4}">
+<ds:datastoreItem xmlns:ds="http://schemas.openxmlformats.org/officeDocument/2006/customXml" ds:itemID="{3E586370-B0FB-4108-8B4F-329716A22E3A}">
   <ds:schemaRefs>
-    <ds:schemaRef ds:uri="http://schemas.microsoft.com/office/2006/metadata/properties"/>
-    <ds:schemaRef ds:uri="http://schemas.microsoft.com/office/infopath/2007/PartnerControls"/>
-    <ds:schemaRef ds:uri="71af3243-3dd4-4a8d-8c0d-dd76da1f02a5"/>
+    <ds:schemaRef ds:uri="http://schemas.microsoft.com/sharepoint/v3/contenttype/forms"/>
   </ds:schemaRefs>
 </ds:datastoreItem>
 </file>
@@ -12463,9 +12880,11 @@
 </file>
 
 <file path=customXml/itemProps3.xml><?xml version="1.0" encoding="utf-8"?>
-<ds:datastoreItem xmlns:ds="http://schemas.openxmlformats.org/officeDocument/2006/customXml" ds:itemID="{3E586370-B0FB-4108-8B4F-329716A22E3A}">
+<ds:datastoreItem xmlns:ds="http://schemas.openxmlformats.org/officeDocument/2006/customXml" ds:itemID="{55B48092-4A2C-4E16-B971-9ACADFFF69E4}">
   <ds:schemaRefs>
-    <ds:schemaRef ds:uri="http://schemas.microsoft.com/sharepoint/v3/contenttype/forms"/>
+    <ds:schemaRef ds:uri="http://schemas.microsoft.com/office/2006/metadata/properties"/>
+    <ds:schemaRef ds:uri="http://schemas.microsoft.com/office/infopath/2007/PartnerControls"/>
+    <ds:schemaRef ds:uri="71af3243-3dd4-4a8d-8c0d-dd76da1f02a5"/>
   </ds:schemaRefs>
 </ds:datastoreItem>
 </file>